--- a/KT_AIVLE_DX_Regular_course/Week1/미프 3차(머신러닝)/비지도학습(4 , 5일차)/3차 미니프로젝트(비지도) PPT 구상안(4일차 임시).pptx
+++ b/KT_AIVLE_DX_Regular_course/Week1/미프 3차(머신러닝)/비지도학습(4 , 5일차)/3차 미니프로젝트(비지도) PPT 구상안(4일차 임시).pptx
@@ -5,10 +5,10 @@
     <p:sldMasterId id="2147483656" r:id="rId4"/>
   </p:sldMasterIdLst>
   <p:notesMasterIdLst>
-    <p:notesMasterId r:id="rId19"/>
+    <p:notesMasterId r:id="rId20"/>
   </p:notesMasterIdLst>
   <p:handoutMasterIdLst>
-    <p:handoutMasterId r:id="rId20"/>
+    <p:handoutMasterId r:id="rId21"/>
   </p:handoutMasterIdLst>
   <p:sldIdLst>
     <p:sldId id="3516" r:id="rId5"/>
@@ -19,12 +19,13 @@
     <p:sldId id="3573" r:id="rId10"/>
     <p:sldId id="3578" r:id="rId11"/>
     <p:sldId id="3581" r:id="rId12"/>
-    <p:sldId id="3544" r:id="rId13"/>
-    <p:sldId id="3582" r:id="rId14"/>
-    <p:sldId id="3574" r:id="rId15"/>
-    <p:sldId id="3575" r:id="rId16"/>
-    <p:sldId id="3579" r:id="rId17"/>
-    <p:sldId id="3580" r:id="rId18"/>
+    <p:sldId id="3583" r:id="rId13"/>
+    <p:sldId id="3544" r:id="rId14"/>
+    <p:sldId id="3582" r:id="rId15"/>
+    <p:sldId id="3574" r:id="rId16"/>
+    <p:sldId id="3575" r:id="rId17"/>
+    <p:sldId id="3579" r:id="rId18"/>
+    <p:sldId id="3580" r:id="rId19"/>
   </p:sldIdLst>
   <p:sldSz cx="12192000" cy="6858000"/>
   <p:notesSz cx="6858000" cy="9144000"/>
@@ -270,6 +271,7 @@
             <p14:sldId id="3573"/>
             <p14:sldId id="3578"/>
             <p14:sldId id="3581"/>
+            <p14:sldId id="3583"/>
             <p14:sldId id="3544"/>
           </p14:sldIdLst>
         </p14:section>
@@ -387,7 +389,7 @@
           <a:p>
             <a:fld id="{E4DD5EE2-0F71-437D-9438-13CCE6E2D3A4}" type="datetimeFigureOut">
               <a:rPr lang="ko-KR" altLang="en-US" smtClean="0"/>
-              <a:t>2024-10-28</a:t>
+              <a:t>2024-10-29</a:t>
             </a:fld>
             <a:endParaRPr lang="ko-KR" altLang="en-US"/>
           </a:p>
@@ -1777,6 +1779,115 @@
   <p:cSld>
     <p:spTree>
       <p:nvGrpSpPr>
+        <p:cNvPr id="1" name="Shape 185"/>
+        <p:cNvGrpSpPr/>
+        <p:nvPr/>
+      </p:nvGrpSpPr>
+      <p:grpSpPr>
+        <a:xfrm>
+          <a:off x="0" y="0"/>
+          <a:ext cx="0" cy="0"/>
+          <a:chOff x="0" y="0"/>
+          <a:chExt cx="0" cy="0"/>
+        </a:xfrm>
+      </p:grpSpPr>
+      <p:sp>
+        <p:nvSpPr>
+          <p:cNvPr id="186" name="Google Shape;186;p18:notes"/>
+          <p:cNvSpPr txBox="1">
+            <a:spLocks noGrp="1"/>
+          </p:cNvSpPr>
+          <p:nvPr>
+            <p:ph type="body" idx="1"/>
+          </p:nvPr>
+        </p:nvSpPr>
+        <p:spPr>
+          <a:xfrm>
+            <a:off x="685800" y="4400550"/>
+            <a:ext cx="5486400" cy="3600450"/>
+          </a:xfrm>
+          <a:prstGeom prst="rect">
+            <a:avLst/>
+          </a:prstGeom>
+        </p:spPr>
+        <p:txBody>
+          <a:bodyPr spcFirstLastPara="1" wrap="square" lIns="91425" tIns="45700" rIns="91425" bIns="45700" anchor="t" anchorCtr="0">
+            <a:noAutofit/>
+          </a:bodyPr>
+          <a:lstStyle/>
+          <a:p>
+            <a:pPr marL="0" lvl="0" indent="0" algn="l" rtl="0">
+              <a:spcBef>
+                <a:spcPts val="0"/>
+              </a:spcBef>
+              <a:spcAft>
+                <a:spcPts val="0"/>
+              </a:spcAft>
+              <a:buNone/>
+            </a:pPr>
+            <a:endParaRPr dirty="0"/>
+          </a:p>
+        </p:txBody>
+      </p:sp>
+      <p:sp>
+        <p:nvSpPr>
+          <p:cNvPr id="187" name="Google Shape;187;p18:notes"/>
+          <p:cNvSpPr>
+            <a:spLocks noGrp="1" noRot="1" noChangeAspect="1"/>
+          </p:cNvSpPr>
+          <p:nvPr>
+            <p:ph type="sldImg" idx="2"/>
+          </p:nvPr>
+        </p:nvSpPr>
+        <p:spPr>
+          <a:xfrm>
+            <a:off x="685800" y="1143000"/>
+            <a:ext cx="5486400" cy="3086100"/>
+          </a:xfrm>
+          <a:custGeom>
+            <a:avLst/>
+            <a:gdLst/>
+            <a:ahLst/>
+            <a:cxnLst/>
+            <a:rect l="l" t="t" r="r" b="b"/>
+            <a:pathLst>
+              <a:path w="120000" h="120000" extrusionOk="0">
+                <a:moveTo>
+                  <a:pt x="0" y="0"/>
+                </a:moveTo>
+                <a:lnTo>
+                  <a:pt x="120000" y="0"/>
+                </a:lnTo>
+                <a:lnTo>
+                  <a:pt x="120000" y="120000"/>
+                </a:lnTo>
+                <a:lnTo>
+                  <a:pt x="0" y="120000"/>
+                </a:lnTo>
+                <a:close/>
+              </a:path>
+            </a:pathLst>
+          </a:custGeom>
+        </p:spPr>
+      </p:sp>
+    </p:spTree>
+    <p:extLst>
+      <p:ext uri="{BB962C8B-B14F-4D97-AF65-F5344CB8AC3E}">
+        <p14:creationId xmlns:p14="http://schemas.microsoft.com/office/powerpoint/2010/main" val="1817085415"/>
+      </p:ext>
+    </p:extLst>
+  </p:cSld>
+  <p:clrMapOvr>
+    <a:masterClrMapping/>
+  </p:clrMapOvr>
+</p:notes>
+</file>
+
+<file path=ppt/notesSlides/notesSlide11.xml><?xml version="1.0" encoding="utf-8"?>
+<p:notes xmlns:a="http://schemas.openxmlformats.org/drawingml/2006/main" xmlns:r="http://schemas.openxmlformats.org/officeDocument/2006/relationships" xmlns:p="http://schemas.openxmlformats.org/presentationml/2006/main" showMasterSp="0" showMasterPhAnim="0">
+  <p:cSld>
+    <p:spTree>
+      <p:nvGrpSpPr>
         <p:cNvPr id="1" name="Shape 53"/>
         <p:cNvGrpSpPr/>
         <p:nvPr/>
@@ -1891,7 +2002,7 @@
 </p:notes>
 </file>
 
-<file path=ppt/notesSlides/notesSlide11.xml><?xml version="1.0" encoding="utf-8"?>
+<file path=ppt/notesSlides/notesSlide12.xml><?xml version="1.0" encoding="utf-8"?>
 <p:notes xmlns:a="http://schemas.openxmlformats.org/drawingml/2006/main" xmlns:r="http://schemas.openxmlformats.org/officeDocument/2006/relationships" xmlns:p="http://schemas.openxmlformats.org/presentationml/2006/main" showMasterSp="0" showMasterPhAnim="0">
   <p:cSld>
     <p:spTree>
@@ -2010,7 +2121,7 @@
 </p:notes>
 </file>
 
-<file path=ppt/notesSlides/notesSlide12.xml><?xml version="1.0" encoding="utf-8"?>
+<file path=ppt/notesSlides/notesSlide13.xml><?xml version="1.0" encoding="utf-8"?>
 <p:notes xmlns:a="http://schemas.openxmlformats.org/drawingml/2006/main" xmlns:r="http://schemas.openxmlformats.org/officeDocument/2006/relationships" xmlns:p="http://schemas.openxmlformats.org/presentationml/2006/main" showMasterSp="0" showMasterPhAnim="0">
   <p:cSld>
     <p:spTree>
@@ -2129,7 +2240,7 @@
 </p:notes>
 </file>
 
-<file path=ppt/notesSlides/notesSlide13.xml><?xml version="1.0" encoding="utf-8"?>
+<file path=ppt/notesSlides/notesSlide14.xml><?xml version="1.0" encoding="utf-8"?>
 <p:notes xmlns:a="http://schemas.openxmlformats.org/drawingml/2006/main" xmlns:r="http://schemas.openxmlformats.org/officeDocument/2006/relationships" xmlns:p="http://schemas.openxmlformats.org/presentationml/2006/main" showMasterSp="0" showMasterPhAnim="0">
   <p:cSld>
     <p:spTree>
@@ -2248,7 +2359,7 @@
 </p:notes>
 </file>
 
-<file path=ppt/notesSlides/notesSlide14.xml><?xml version="1.0" encoding="utf-8"?>
+<file path=ppt/notesSlides/notesSlide15.xml><?xml version="1.0" encoding="utf-8"?>
 <p:notes xmlns:a="http://schemas.openxmlformats.org/drawingml/2006/main" xmlns:r="http://schemas.openxmlformats.org/officeDocument/2006/relationships" xmlns:p="http://schemas.openxmlformats.org/presentationml/2006/main" showMasterSp="0" showMasterPhAnim="0">
   <p:cSld>
     <p:spTree>
@@ -3205,7 +3316,7 @@
   <p:cSld>
     <p:spTree>
       <p:nvGrpSpPr>
-        <p:cNvPr id="1" name="Shape 185"/>
+        <p:cNvPr id="1" name="Shape 53"/>
         <p:cNvGrpSpPr/>
         <p:nvPr/>
       </p:nvGrpSpPr>
@@ -3219,7 +3330,7 @@
       </p:grpSpPr>
       <p:sp>
         <p:nvSpPr>
-          <p:cNvPr id="186" name="Google Shape;186;p18:notes"/>
+          <p:cNvPr id="54" name="Google Shape;54;p2:notes"/>
           <p:cNvSpPr txBox="1">
             <a:spLocks noGrp="1"/>
           </p:cNvSpPr>
@@ -3242,22 +3353,32 @@
           </a:bodyPr>
           <a:lstStyle/>
           <a:p>
-            <a:pPr marL="0" lvl="0" indent="0" algn="l" rtl="0">
+            <a:pPr marL="0" marR="0" lvl="0" indent="0" algn="l" defTabSz="914400" rtl="0" eaLnBrk="1" fontAlgn="auto" latinLnBrk="0" hangingPunct="1">
+              <a:lnSpc>
+                <a:spcPct val="100000"/>
+              </a:lnSpc>
               <a:spcBef>
                 <a:spcPts val="0"/>
               </a:spcBef>
               <a:spcAft>
                 <a:spcPts val="0"/>
               </a:spcAft>
+              <a:buClr>
+                <a:schemeClr val="dk1"/>
+              </a:buClr>
+              <a:buSzPts val="1200"/>
+              <a:buFont typeface="Malgun Gothic"/>
               <a:buNone/>
+              <a:tabLst/>
+              <a:defRPr/>
             </a:pPr>
-            <a:endParaRPr dirty="0"/>
+            <a:endParaRPr lang="en-US" altLang="ko-KR" dirty="0"/>
           </a:p>
         </p:txBody>
       </p:sp>
       <p:sp>
         <p:nvSpPr>
-          <p:cNvPr id="187" name="Google Shape;187;p18:notes"/>
+          <p:cNvPr id="55" name="Google Shape;55;p2:notes"/>
           <p:cNvSpPr>
             <a:spLocks noGrp="1" noRot="1" noChangeAspect="1"/>
           </p:cNvSpPr>
@@ -3299,7 +3420,7 @@
     </p:spTree>
     <p:extLst>
       <p:ext uri="{BB962C8B-B14F-4D97-AF65-F5344CB8AC3E}">
-        <p14:creationId xmlns:p14="http://schemas.microsoft.com/office/powerpoint/2010/main" val="1817085415"/>
+        <p14:creationId xmlns:p14="http://schemas.microsoft.com/office/powerpoint/2010/main" val="1541631759"/>
       </p:ext>
     </p:extLst>
   </p:cSld>
@@ -5598,7 +5719,7 @@
           <a:p>
             <a:fld id="{75239EA2-55BD-42D9-A3B3-20D6D22715F0}" type="datetimeFigureOut">
               <a:rPr lang="ko-KR" altLang="en-US" smtClean="0"/>
-              <a:t>2024-10-28</a:t>
+              <a:t>2024-10-29</a:t>
             </a:fld>
             <a:endParaRPr lang="ko-KR" altLang="en-US"/>
           </a:p>
@@ -7229,6 +7350,36 @@
   <p:cSld>
     <p:spTree>
       <p:nvGrpSpPr>
+        <p:cNvPr id="1" name="Shape 188"/>
+        <p:cNvGrpSpPr/>
+        <p:nvPr/>
+      </p:nvGrpSpPr>
+      <p:grpSpPr>
+        <a:xfrm>
+          <a:off x="0" y="0"/>
+          <a:ext cx="0" cy="0"/>
+          <a:chOff x="0" y="0"/>
+          <a:chExt cx="0" cy="0"/>
+        </a:xfrm>
+      </p:grpSpPr>
+    </p:spTree>
+    <p:extLst>
+      <p:ext uri="{BB962C8B-B14F-4D97-AF65-F5344CB8AC3E}">
+        <p14:creationId xmlns:p14="http://schemas.microsoft.com/office/powerpoint/2010/main" val="452557449"/>
+      </p:ext>
+    </p:extLst>
+  </p:cSld>
+  <p:clrMapOvr>
+    <a:masterClrMapping/>
+  </p:clrMapOvr>
+</p:sld>
+</file>
+
+<file path=ppt/slides/slide11.xml><?xml version="1.0" encoding="utf-8"?>
+<p:sld xmlns:a="http://schemas.openxmlformats.org/drawingml/2006/main" xmlns:r="http://schemas.openxmlformats.org/officeDocument/2006/relationships" xmlns:p="http://schemas.openxmlformats.org/presentationml/2006/main">
+  <p:cSld>
+    <p:spTree>
+      <p:nvGrpSpPr>
         <p:cNvPr id="1" name="Shape 56"/>
         <p:cNvGrpSpPr/>
         <p:nvPr/>
@@ -7490,7 +7641,7 @@
 </p:sld>
 </file>
 
-<file path=ppt/slides/slide11.xml><?xml version="1.0" encoding="utf-8"?>
+<file path=ppt/slides/slide12.xml><?xml version="1.0" encoding="utf-8"?>
 <p:sld xmlns:a="http://schemas.openxmlformats.org/drawingml/2006/main" xmlns:r="http://schemas.openxmlformats.org/officeDocument/2006/relationships" xmlns:p="http://schemas.openxmlformats.org/presentationml/2006/main">
   <p:cSld>
     <p:spTree>
@@ -8215,7 +8366,7 @@
 </p:sld>
 </file>
 
-<file path=ppt/slides/slide12.xml><?xml version="1.0" encoding="utf-8"?>
+<file path=ppt/slides/slide13.xml><?xml version="1.0" encoding="utf-8"?>
 <p:sld xmlns:a="http://schemas.openxmlformats.org/drawingml/2006/main" xmlns:r="http://schemas.openxmlformats.org/officeDocument/2006/relationships" xmlns:p="http://schemas.openxmlformats.org/presentationml/2006/main">
   <p:cSld>
     <p:spTree>
@@ -8716,7 +8867,7 @@
 </p:sld>
 </file>
 
-<file path=ppt/slides/slide13.xml><?xml version="1.0" encoding="utf-8"?>
+<file path=ppt/slides/slide14.xml><?xml version="1.0" encoding="utf-8"?>
 <p:sld xmlns:a="http://schemas.openxmlformats.org/drawingml/2006/main" xmlns:r="http://schemas.openxmlformats.org/officeDocument/2006/relationships" xmlns:p="http://schemas.openxmlformats.org/presentationml/2006/main">
   <p:cSld>
     <p:spTree>
@@ -9043,7 +9194,7 @@
 </p:sld>
 </file>
 
-<file path=ppt/slides/slide14.xml><?xml version="1.0" encoding="utf-8"?>
+<file path=ppt/slides/slide15.xml><?xml version="1.0" encoding="utf-8"?>
 <p:sld xmlns:a="http://schemas.openxmlformats.org/drawingml/2006/main" xmlns:r="http://schemas.openxmlformats.org/officeDocument/2006/relationships" xmlns:p="http://schemas.openxmlformats.org/presentationml/2006/main">
   <p:cSld>
     <p:spTree>
@@ -9405,7 +9556,7 @@
         </p:blipFill>
         <p:spPr>
           <a:xfrm>
-            <a:off x="4568636" y="2026024"/>
+            <a:off x="4568636" y="2026023"/>
             <a:ext cx="4617944" cy="3078630"/>
           </a:xfrm>
           <a:prstGeom prst="rect">
@@ -9517,7 +9668,7 @@
         </p:blipFill>
         <p:spPr bwMode="auto">
           <a:xfrm>
-            <a:off x="398369" y="2026024"/>
+            <a:off x="277341" y="1957845"/>
             <a:ext cx="4095750" cy="3371850"/>
           </a:xfrm>
           <a:prstGeom prst="rect">
@@ -13238,7 +13389,7 @@
   <p:cSld>
     <p:spTree>
       <p:nvGrpSpPr>
-        <p:cNvPr id="1" name="Shape 188"/>
+        <p:cNvPr id="1" name="Shape 56"/>
         <p:cNvGrpSpPr/>
         <p:nvPr/>
       </p:nvGrpSpPr>
@@ -13250,10 +13401,2194 @@
           <a:chExt cx="0" cy="0"/>
         </a:xfrm>
       </p:grpSpPr>
+      <p:sp>
+        <p:nvSpPr>
+          <p:cNvPr id="10" name="Google Shape;57;p11">
+            <a:extLst>
+              <a:ext uri="{FF2B5EF4-FFF2-40B4-BE49-F238E27FC236}">
+                <a16:creationId xmlns:a16="http://schemas.microsoft.com/office/drawing/2014/main" id="{F19A0683-78F9-40AD-8A66-8439551297D6}"/>
+              </a:ext>
+            </a:extLst>
+          </p:cNvPr>
+          <p:cNvSpPr txBox="1">
+            <a:spLocks/>
+          </p:cNvSpPr>
+          <p:nvPr/>
+        </p:nvSpPr>
+        <p:spPr>
+          <a:xfrm>
+            <a:off x="315685" y="287383"/>
+            <a:ext cx="6808597" cy="628844"/>
+          </a:xfrm>
+          <a:prstGeom prst="rect">
+            <a:avLst/>
+          </a:prstGeom>
+          <a:noFill/>
+          <a:ln>
+            <a:noFill/>
+          </a:ln>
+        </p:spPr>
+        <p:txBody>
+          <a:bodyPr spcFirstLastPara="1" wrap="square" lIns="112523" tIns="56246" rIns="112523" bIns="56246" anchor="t" anchorCtr="0">
+            <a:noAutofit/>
+          </a:bodyPr>
+          <a:lstStyle>
+            <a:defPPr marR="0" lvl="0" algn="l" rtl="0">
+              <a:lnSpc>
+                <a:spcPct val="100000"/>
+              </a:lnSpc>
+              <a:spcBef>
+                <a:spcPts val="0"/>
+              </a:spcBef>
+              <a:spcAft>
+                <a:spcPts val="0"/>
+              </a:spcAft>
+            </a:defPPr>
+            <a:lvl1pPr marR="0" lvl="0" algn="l" rtl="0">
+              <a:lnSpc>
+                <a:spcPct val="90000"/>
+              </a:lnSpc>
+              <a:spcBef>
+                <a:spcPts val="0"/>
+              </a:spcBef>
+              <a:spcAft>
+                <a:spcPts val="0"/>
+              </a:spcAft>
+              <a:buClr>
+                <a:schemeClr val="dk1"/>
+              </a:buClr>
+              <a:buSzPts val="2800"/>
+              <a:buFont typeface="Calibri"/>
+              <a:buNone/>
+              <a:defRPr sz="3446" b="1" i="0" u="none" strike="noStrike" cap="none">
+                <a:solidFill>
+                  <a:schemeClr val="dk1"/>
+                </a:solidFill>
+                <a:latin typeface="Calibri"/>
+                <a:ea typeface="Calibri"/>
+                <a:cs typeface="Calibri"/>
+                <a:sym typeface="Calibri"/>
+              </a:defRPr>
+            </a:lvl1pPr>
+            <a:lvl2pPr marR="0" lvl="1" algn="l" rtl="0">
+              <a:lnSpc>
+                <a:spcPct val="100000"/>
+              </a:lnSpc>
+              <a:spcBef>
+                <a:spcPts val="0"/>
+              </a:spcBef>
+              <a:spcAft>
+                <a:spcPts val="0"/>
+              </a:spcAft>
+              <a:buClr>
+                <a:srgbClr val="000000"/>
+              </a:buClr>
+              <a:buSzPts val="1400"/>
+              <a:buFont typeface="Arial"/>
+              <a:buNone/>
+              <a:defRPr sz="2215" b="0" i="0" u="none" strike="noStrike" cap="none">
+                <a:solidFill>
+                  <a:srgbClr val="000000"/>
+                </a:solidFill>
+                <a:latin typeface="Arial"/>
+                <a:ea typeface="Arial"/>
+                <a:cs typeface="Arial"/>
+                <a:sym typeface="Arial"/>
+              </a:defRPr>
+            </a:lvl2pPr>
+            <a:lvl3pPr marR="0" lvl="2" algn="l" rtl="0">
+              <a:lnSpc>
+                <a:spcPct val="100000"/>
+              </a:lnSpc>
+              <a:spcBef>
+                <a:spcPts val="0"/>
+              </a:spcBef>
+              <a:spcAft>
+                <a:spcPts val="0"/>
+              </a:spcAft>
+              <a:buClr>
+                <a:srgbClr val="000000"/>
+              </a:buClr>
+              <a:buSzPts val="1400"/>
+              <a:buFont typeface="Arial"/>
+              <a:buNone/>
+              <a:defRPr sz="2215" b="0" i="0" u="none" strike="noStrike" cap="none">
+                <a:solidFill>
+                  <a:srgbClr val="000000"/>
+                </a:solidFill>
+                <a:latin typeface="Arial"/>
+                <a:ea typeface="Arial"/>
+                <a:cs typeface="Arial"/>
+                <a:sym typeface="Arial"/>
+              </a:defRPr>
+            </a:lvl3pPr>
+            <a:lvl4pPr marR="0" lvl="3" algn="l" rtl="0">
+              <a:lnSpc>
+                <a:spcPct val="100000"/>
+              </a:lnSpc>
+              <a:spcBef>
+                <a:spcPts val="0"/>
+              </a:spcBef>
+              <a:spcAft>
+                <a:spcPts val="0"/>
+              </a:spcAft>
+              <a:buClr>
+                <a:srgbClr val="000000"/>
+              </a:buClr>
+              <a:buSzPts val="1400"/>
+              <a:buFont typeface="Arial"/>
+              <a:buNone/>
+              <a:defRPr sz="2215" b="0" i="0" u="none" strike="noStrike" cap="none">
+                <a:solidFill>
+                  <a:srgbClr val="000000"/>
+                </a:solidFill>
+                <a:latin typeface="Arial"/>
+                <a:ea typeface="Arial"/>
+                <a:cs typeface="Arial"/>
+                <a:sym typeface="Arial"/>
+              </a:defRPr>
+            </a:lvl4pPr>
+            <a:lvl5pPr marR="0" lvl="4" algn="l" rtl="0">
+              <a:lnSpc>
+                <a:spcPct val="100000"/>
+              </a:lnSpc>
+              <a:spcBef>
+                <a:spcPts val="0"/>
+              </a:spcBef>
+              <a:spcAft>
+                <a:spcPts val="0"/>
+              </a:spcAft>
+              <a:buClr>
+                <a:srgbClr val="000000"/>
+              </a:buClr>
+              <a:buSzPts val="1400"/>
+              <a:buFont typeface="Arial"/>
+              <a:buNone/>
+              <a:defRPr sz="2215" b="0" i="0" u="none" strike="noStrike" cap="none">
+                <a:solidFill>
+                  <a:srgbClr val="000000"/>
+                </a:solidFill>
+                <a:latin typeface="Arial"/>
+                <a:ea typeface="Arial"/>
+                <a:cs typeface="Arial"/>
+                <a:sym typeface="Arial"/>
+              </a:defRPr>
+            </a:lvl5pPr>
+            <a:lvl6pPr marR="0" lvl="5" algn="l" rtl="0">
+              <a:lnSpc>
+                <a:spcPct val="100000"/>
+              </a:lnSpc>
+              <a:spcBef>
+                <a:spcPts val="0"/>
+              </a:spcBef>
+              <a:spcAft>
+                <a:spcPts val="0"/>
+              </a:spcAft>
+              <a:buClr>
+                <a:srgbClr val="000000"/>
+              </a:buClr>
+              <a:buSzPts val="1400"/>
+              <a:buFont typeface="Arial"/>
+              <a:buNone/>
+              <a:defRPr sz="2215" b="0" i="0" u="none" strike="noStrike" cap="none">
+                <a:solidFill>
+                  <a:srgbClr val="000000"/>
+                </a:solidFill>
+                <a:latin typeface="Arial"/>
+                <a:ea typeface="Arial"/>
+                <a:cs typeface="Arial"/>
+                <a:sym typeface="Arial"/>
+              </a:defRPr>
+            </a:lvl6pPr>
+            <a:lvl7pPr marR="0" lvl="6" algn="l" rtl="0">
+              <a:lnSpc>
+                <a:spcPct val="100000"/>
+              </a:lnSpc>
+              <a:spcBef>
+                <a:spcPts val="0"/>
+              </a:spcBef>
+              <a:spcAft>
+                <a:spcPts val="0"/>
+              </a:spcAft>
+              <a:buClr>
+                <a:srgbClr val="000000"/>
+              </a:buClr>
+              <a:buSzPts val="1400"/>
+              <a:buFont typeface="Arial"/>
+              <a:buNone/>
+              <a:defRPr sz="2215" b="0" i="0" u="none" strike="noStrike" cap="none">
+                <a:solidFill>
+                  <a:srgbClr val="000000"/>
+                </a:solidFill>
+                <a:latin typeface="Arial"/>
+                <a:ea typeface="Arial"/>
+                <a:cs typeface="Arial"/>
+                <a:sym typeface="Arial"/>
+              </a:defRPr>
+            </a:lvl7pPr>
+            <a:lvl8pPr marR="0" lvl="7" algn="l" rtl="0">
+              <a:lnSpc>
+                <a:spcPct val="100000"/>
+              </a:lnSpc>
+              <a:spcBef>
+                <a:spcPts val="0"/>
+              </a:spcBef>
+              <a:spcAft>
+                <a:spcPts val="0"/>
+              </a:spcAft>
+              <a:buClr>
+                <a:srgbClr val="000000"/>
+              </a:buClr>
+              <a:buSzPts val="1400"/>
+              <a:buFont typeface="Arial"/>
+              <a:buNone/>
+              <a:defRPr sz="2215" b="0" i="0" u="none" strike="noStrike" cap="none">
+                <a:solidFill>
+                  <a:srgbClr val="000000"/>
+                </a:solidFill>
+                <a:latin typeface="Arial"/>
+                <a:ea typeface="Arial"/>
+                <a:cs typeface="Arial"/>
+                <a:sym typeface="Arial"/>
+              </a:defRPr>
+            </a:lvl8pPr>
+            <a:lvl9pPr marR="0" lvl="8" algn="l" rtl="0">
+              <a:lnSpc>
+                <a:spcPct val="100000"/>
+              </a:lnSpc>
+              <a:spcBef>
+                <a:spcPts val="0"/>
+              </a:spcBef>
+              <a:spcAft>
+                <a:spcPts val="0"/>
+              </a:spcAft>
+              <a:buClr>
+                <a:srgbClr val="000000"/>
+              </a:buClr>
+              <a:buSzPts val="1400"/>
+              <a:buFont typeface="Arial"/>
+              <a:buNone/>
+              <a:defRPr sz="2215" b="0" i="0" u="none" strike="noStrike" cap="none">
+                <a:solidFill>
+                  <a:srgbClr val="000000"/>
+                </a:solidFill>
+                <a:latin typeface="Arial"/>
+                <a:ea typeface="Arial"/>
+                <a:cs typeface="Arial"/>
+                <a:sym typeface="Arial"/>
+              </a:defRPr>
+            </a:lvl9pPr>
+          </a:lstStyle>
+          <a:p>
+            <a:pPr>
+              <a:lnSpc>
+                <a:spcPct val="100000"/>
+              </a:lnSpc>
+            </a:pPr>
+            <a:r>
+              <a:rPr lang="ko-KR" altLang="en-US" sz="2800" spc="-100" dirty="0">
+                <a:ln w="3175">
+                  <a:solidFill>
+                    <a:schemeClr val="tx1">
+                      <a:alpha val="30000"/>
+                    </a:schemeClr>
+                  </a:solidFill>
+                </a:ln>
+                <a:solidFill>
+                  <a:srgbClr val="000000"/>
+                </a:solidFill>
+                <a:latin typeface="나눔스퀘어 네오 ExtraBold" panose="00000900000000000000" pitchFamily="2" charset="-127"/>
+                <a:ea typeface="나눔스퀘어 네오 ExtraBold" panose="00000900000000000000" pitchFamily="2" charset="-127"/>
+                <a:cs typeface="Arial"/>
+                <a:sym typeface="Arial"/>
+              </a:rPr>
+              <a:t>결론</a:t>
+            </a:r>
+            <a:r>
+              <a:rPr lang="en-US" altLang="ko-KR" sz="2800" spc="-100" dirty="0">
+                <a:ln w="3175">
+                  <a:solidFill>
+                    <a:schemeClr val="tx1">
+                      <a:alpha val="30000"/>
+                    </a:schemeClr>
+                  </a:solidFill>
+                </a:ln>
+                <a:solidFill>
+                  <a:srgbClr val="000000"/>
+                </a:solidFill>
+                <a:latin typeface="나눔스퀘어 네오 ExtraBold" panose="00000900000000000000" pitchFamily="2" charset="-127"/>
+                <a:ea typeface="나눔스퀘어 네오 ExtraBold" panose="00000900000000000000" pitchFamily="2" charset="-127"/>
+                <a:cs typeface="Arial"/>
+                <a:sym typeface="Arial"/>
+              </a:rPr>
+              <a:t>- </a:t>
+            </a:r>
+            <a:r>
+              <a:rPr lang="ko-KR" altLang="en-US" sz="2800" spc="-100" dirty="0">
+                <a:ln w="3175">
+                  <a:solidFill>
+                    <a:schemeClr val="tx1">
+                      <a:alpha val="30000"/>
+                    </a:schemeClr>
+                  </a:solidFill>
+                </a:ln>
+                <a:solidFill>
+                  <a:srgbClr val="000000"/>
+                </a:solidFill>
+                <a:latin typeface="나눔스퀘어 네오 ExtraBold" panose="00000900000000000000" pitchFamily="2" charset="-127"/>
+                <a:ea typeface="나눔스퀘어 네오 ExtraBold" panose="00000900000000000000" pitchFamily="2" charset="-127"/>
+                <a:cs typeface="Arial"/>
+                <a:sym typeface="Arial"/>
+              </a:rPr>
+              <a:t>고객별 마케팅 전략 </a:t>
+            </a:r>
+          </a:p>
+        </p:txBody>
+      </p:sp>
+      <p:graphicFrame>
+        <p:nvGraphicFramePr>
+          <p:cNvPr id="5" name="표 5">
+            <a:extLst>
+              <a:ext uri="{FF2B5EF4-FFF2-40B4-BE49-F238E27FC236}">
+                <a16:creationId xmlns:a16="http://schemas.microsoft.com/office/drawing/2014/main" id="{CE7A4DF8-922B-4AE0-AEB6-7FDA9CD27937}"/>
+              </a:ext>
+            </a:extLst>
+          </p:cNvPr>
+          <p:cNvGraphicFramePr>
+            <a:graphicFrameLocks noGrp="1"/>
+          </p:cNvGraphicFramePr>
+          <p:nvPr>
+            <p:extLst>
+              <p:ext uri="{D42A27DB-BD31-4B8C-83A1-F6EECF244321}">
+                <p14:modId xmlns:p14="http://schemas.microsoft.com/office/powerpoint/2010/main" val="3324104450"/>
+              </p:ext>
+            </p:extLst>
+          </p:nvPr>
+        </p:nvGraphicFramePr>
+        <p:xfrm>
+          <a:off x="315685" y="1459831"/>
+          <a:ext cx="11427136" cy="4569847"/>
+        </p:xfrm>
+        <a:graphic>
+          <a:graphicData uri="http://schemas.openxmlformats.org/drawingml/2006/table">
+            <a:tbl>
+              <a:tblPr firstRow="1" bandRow="1">
+                <a:tableStyleId>{B301B821-A1FF-4177-AEE7-76D212191A09}</a:tableStyleId>
+              </a:tblPr>
+              <a:tblGrid>
+                <a:gridCol w="1272483">
+                  <a:extLst>
+                    <a:ext uri="{9D8B030D-6E8A-4147-A177-3AD203B41FA5}">
+                      <a16:colId xmlns:a16="http://schemas.microsoft.com/office/drawing/2014/main" val="1873642265"/>
+                    </a:ext>
+                  </a:extLst>
+                </a:gridCol>
+                <a:gridCol w="2085474">
+                  <a:extLst>
+                    <a:ext uri="{9D8B030D-6E8A-4147-A177-3AD203B41FA5}">
+                      <a16:colId xmlns:a16="http://schemas.microsoft.com/office/drawing/2014/main" val="4240756188"/>
+                    </a:ext>
+                  </a:extLst>
+                </a:gridCol>
+                <a:gridCol w="2566737">
+                  <a:extLst>
+                    <a:ext uri="{9D8B030D-6E8A-4147-A177-3AD203B41FA5}">
+                      <a16:colId xmlns:a16="http://schemas.microsoft.com/office/drawing/2014/main" val="2874047243"/>
+                    </a:ext>
+                  </a:extLst>
+                </a:gridCol>
+                <a:gridCol w="5502442">
+                  <a:extLst>
+                    <a:ext uri="{9D8B030D-6E8A-4147-A177-3AD203B41FA5}">
+                      <a16:colId xmlns:a16="http://schemas.microsoft.com/office/drawing/2014/main" val="2331171161"/>
+                    </a:ext>
+                  </a:extLst>
+                </a:gridCol>
+              </a:tblGrid>
+              <a:tr h="417095">
+                <a:tc>
+                  <a:txBody>
+                    <a:bodyPr/>
+                    <a:lstStyle/>
+                    <a:p>
+                      <a:pPr latinLnBrk="1"/>
+                      <a:r>
+                        <a:rPr lang="ko-KR" altLang="en-US" dirty="0"/>
+                        <a:t>분류</a:t>
+                      </a:r>
+                    </a:p>
+                  </a:txBody>
+                  <a:tcPr>
+                    <a:lnL w="12700" cap="flat" cmpd="sng" algn="ctr">
+                      <a:solidFill>
+                        <a:schemeClr val="tx1"/>
+                      </a:solidFill>
+                      <a:prstDash val="solid"/>
+                      <a:round/>
+                      <a:headEnd type="none" w="med" len="med"/>
+                      <a:tailEnd type="none" w="med" len="med"/>
+                    </a:lnL>
+                    <a:lnR w="12700" cap="flat" cmpd="sng" algn="ctr">
+                      <a:solidFill>
+                        <a:schemeClr val="tx1"/>
+                      </a:solidFill>
+                      <a:prstDash val="solid"/>
+                      <a:round/>
+                      <a:headEnd type="none" w="med" len="med"/>
+                      <a:tailEnd type="none" w="med" len="med"/>
+                    </a:lnR>
+                    <a:lnT w="12700" cap="flat" cmpd="sng" algn="ctr">
+                      <a:solidFill>
+                        <a:schemeClr val="tx1"/>
+                      </a:solidFill>
+                      <a:prstDash val="solid"/>
+                      <a:round/>
+                      <a:headEnd type="none" w="med" len="med"/>
+                      <a:tailEnd type="none" w="med" len="med"/>
+                    </a:lnT>
+                    <a:lnB w="12700" cap="flat" cmpd="sng" algn="ctr">
+                      <a:solidFill>
+                        <a:schemeClr val="tx1"/>
+                      </a:solidFill>
+                      <a:prstDash val="solid"/>
+                      <a:round/>
+                      <a:headEnd type="none" w="med" len="med"/>
+                      <a:tailEnd type="none" w="med" len="med"/>
+                    </a:lnB>
+                    <a:lnTlToBr w="12700" cmpd="sng">
+                      <a:noFill/>
+                      <a:prstDash val="solid"/>
+                    </a:lnTlToBr>
+                    <a:lnBlToTr w="12700" cmpd="sng">
+                      <a:noFill/>
+                      <a:prstDash val="solid"/>
+                    </a:lnBlToTr>
+                  </a:tcPr>
+                </a:tc>
+                <a:tc>
+                  <a:txBody>
+                    <a:bodyPr/>
+                    <a:lstStyle/>
+                    <a:p>
+                      <a:pPr latinLnBrk="1"/>
+                      <a:r>
+                        <a:rPr lang="ko-KR" altLang="en-US" dirty="0"/>
+                        <a:t>특징 </a:t>
+                      </a:r>
+                    </a:p>
+                  </a:txBody>
+                  <a:tcPr>
+                    <a:lnL w="12700" cap="flat" cmpd="sng" algn="ctr">
+                      <a:solidFill>
+                        <a:schemeClr val="tx1"/>
+                      </a:solidFill>
+                      <a:prstDash val="solid"/>
+                      <a:round/>
+                      <a:headEnd type="none" w="med" len="med"/>
+                      <a:tailEnd type="none" w="med" len="med"/>
+                    </a:lnL>
+                    <a:lnR w="12700" cap="flat" cmpd="sng" algn="ctr">
+                      <a:solidFill>
+                        <a:schemeClr val="tx1"/>
+                      </a:solidFill>
+                      <a:prstDash val="solid"/>
+                      <a:round/>
+                      <a:headEnd type="none" w="med" len="med"/>
+                      <a:tailEnd type="none" w="med" len="med"/>
+                    </a:lnR>
+                    <a:lnT w="12700" cap="flat" cmpd="sng" algn="ctr">
+                      <a:solidFill>
+                        <a:schemeClr val="tx1"/>
+                      </a:solidFill>
+                      <a:prstDash val="solid"/>
+                      <a:round/>
+                      <a:headEnd type="none" w="med" len="med"/>
+                      <a:tailEnd type="none" w="med" len="med"/>
+                    </a:lnT>
+                    <a:lnB w="12700" cap="flat" cmpd="sng" algn="ctr">
+                      <a:solidFill>
+                        <a:schemeClr val="tx1"/>
+                      </a:solidFill>
+                      <a:prstDash val="solid"/>
+                      <a:round/>
+                      <a:headEnd type="none" w="med" len="med"/>
+                      <a:tailEnd type="none" w="med" len="med"/>
+                    </a:lnB>
+                    <a:lnTlToBr w="12700" cmpd="sng">
+                      <a:noFill/>
+                      <a:prstDash val="solid"/>
+                    </a:lnTlToBr>
+                    <a:lnBlToTr w="12700" cmpd="sng">
+                      <a:noFill/>
+                      <a:prstDash val="solid"/>
+                    </a:lnBlToTr>
+                  </a:tcPr>
+                </a:tc>
+                <a:tc>
+                  <a:txBody>
+                    <a:bodyPr/>
+                    <a:lstStyle/>
+                    <a:p>
+                      <a:pPr latinLnBrk="1"/>
+                      <a:r>
+                        <a:rPr lang="ko-KR" altLang="en-US" dirty="0"/>
+                        <a:t>경쟁업체 전략</a:t>
+                      </a:r>
+                      <a:r>
+                        <a:rPr lang="en-US" altLang="ko-KR" dirty="0"/>
+                        <a:t>(</a:t>
+                      </a:r>
+                      <a:r>
+                        <a:rPr lang="ko-KR" altLang="en-US" dirty="0"/>
+                        <a:t>임시</a:t>
+                      </a:r>
+                      <a:r>
+                        <a:rPr lang="en-US" altLang="ko-KR" dirty="0"/>
+                        <a:t>)</a:t>
+                      </a:r>
+                      <a:endParaRPr lang="ko-KR" altLang="en-US" dirty="0"/>
+                    </a:p>
+                  </a:txBody>
+                  <a:tcPr>
+                    <a:lnL w="12700" cap="flat" cmpd="sng" algn="ctr">
+                      <a:solidFill>
+                        <a:schemeClr val="tx1"/>
+                      </a:solidFill>
+                      <a:prstDash val="solid"/>
+                      <a:round/>
+                      <a:headEnd type="none" w="med" len="med"/>
+                      <a:tailEnd type="none" w="med" len="med"/>
+                    </a:lnL>
+                    <a:lnR w="12700" cap="flat" cmpd="sng" algn="ctr">
+                      <a:solidFill>
+                        <a:schemeClr val="tx1"/>
+                      </a:solidFill>
+                      <a:prstDash val="solid"/>
+                      <a:round/>
+                      <a:headEnd type="none" w="med" len="med"/>
+                      <a:tailEnd type="none" w="med" len="med"/>
+                    </a:lnR>
+                    <a:lnT w="12700" cap="flat" cmpd="sng" algn="ctr">
+                      <a:solidFill>
+                        <a:schemeClr val="tx1"/>
+                      </a:solidFill>
+                      <a:prstDash val="solid"/>
+                      <a:round/>
+                      <a:headEnd type="none" w="med" len="med"/>
+                      <a:tailEnd type="none" w="med" len="med"/>
+                    </a:lnT>
+                    <a:lnB w="12700" cap="flat" cmpd="sng" algn="ctr">
+                      <a:solidFill>
+                        <a:schemeClr val="tx1"/>
+                      </a:solidFill>
+                      <a:prstDash val="solid"/>
+                      <a:round/>
+                      <a:headEnd type="none" w="med" len="med"/>
+                      <a:tailEnd type="none" w="med" len="med"/>
+                    </a:lnB>
+                    <a:lnTlToBr w="12700" cmpd="sng">
+                      <a:noFill/>
+                      <a:prstDash val="solid"/>
+                    </a:lnTlToBr>
+                    <a:lnBlToTr w="12700" cmpd="sng">
+                      <a:noFill/>
+                      <a:prstDash val="solid"/>
+                    </a:lnBlToTr>
+                  </a:tcPr>
+                </a:tc>
+                <a:tc>
+                  <a:txBody>
+                    <a:bodyPr/>
+                    <a:lstStyle/>
+                    <a:p>
+                      <a:pPr latinLnBrk="1"/>
+                      <a:r>
+                        <a:rPr lang="ko-KR" altLang="en-US" dirty="0"/>
+                        <a:t>마케팅전략 </a:t>
+                      </a:r>
+                    </a:p>
+                  </a:txBody>
+                  <a:tcPr>
+                    <a:lnL w="12700" cap="flat" cmpd="sng" algn="ctr">
+                      <a:solidFill>
+                        <a:schemeClr val="tx1"/>
+                      </a:solidFill>
+                      <a:prstDash val="solid"/>
+                      <a:round/>
+                      <a:headEnd type="none" w="med" len="med"/>
+                      <a:tailEnd type="none" w="med" len="med"/>
+                    </a:lnL>
+                    <a:lnR w="12700" cap="flat" cmpd="sng" algn="ctr">
+                      <a:solidFill>
+                        <a:schemeClr val="tx1"/>
+                      </a:solidFill>
+                      <a:prstDash val="solid"/>
+                      <a:round/>
+                      <a:headEnd type="none" w="med" len="med"/>
+                      <a:tailEnd type="none" w="med" len="med"/>
+                    </a:lnR>
+                    <a:lnT w="12700" cap="flat" cmpd="sng" algn="ctr">
+                      <a:solidFill>
+                        <a:schemeClr val="tx1"/>
+                      </a:solidFill>
+                      <a:prstDash val="solid"/>
+                      <a:round/>
+                      <a:headEnd type="none" w="med" len="med"/>
+                      <a:tailEnd type="none" w="med" len="med"/>
+                    </a:lnT>
+                    <a:lnB w="12700" cap="flat" cmpd="sng" algn="ctr">
+                      <a:solidFill>
+                        <a:schemeClr val="tx1"/>
+                      </a:solidFill>
+                      <a:prstDash val="solid"/>
+                      <a:round/>
+                      <a:headEnd type="none" w="med" len="med"/>
+                      <a:tailEnd type="none" w="med" len="med"/>
+                    </a:lnB>
+                    <a:lnTlToBr w="12700" cmpd="sng">
+                      <a:noFill/>
+                      <a:prstDash val="solid"/>
+                    </a:lnTlToBr>
+                    <a:lnBlToTr w="12700" cmpd="sng">
+                      <a:noFill/>
+                      <a:prstDash val="solid"/>
+                    </a:lnBlToTr>
+                  </a:tcPr>
+                </a:tc>
+                <a:extLst>
+                  <a:ext uri="{0D108BD9-81ED-4DB2-BD59-A6C34878D82A}">
+                    <a16:rowId xmlns:a16="http://schemas.microsoft.com/office/drawing/2014/main" val="3545303622"/>
+                  </a:ext>
+                </a:extLst>
+              </a:tr>
+              <a:tr h="616432">
+                <a:tc>
+                  <a:txBody>
+                    <a:bodyPr/>
+                    <a:lstStyle/>
+                    <a:p>
+                      <a:pPr latinLnBrk="1"/>
+                      <a:r>
+                        <a:rPr lang="en-US" altLang="ko-KR" dirty="0"/>
+                        <a:t>Cluster1</a:t>
+                      </a:r>
+                      <a:endParaRPr lang="ko-KR" altLang="en-US" dirty="0"/>
+                    </a:p>
+                  </a:txBody>
+                  <a:tcPr>
+                    <a:lnL w="12700" cap="flat" cmpd="sng" algn="ctr">
+                      <a:solidFill>
+                        <a:schemeClr val="tx1"/>
+                      </a:solidFill>
+                      <a:prstDash val="solid"/>
+                      <a:round/>
+                      <a:headEnd type="none" w="med" len="med"/>
+                      <a:tailEnd type="none" w="med" len="med"/>
+                    </a:lnL>
+                    <a:lnR w="12700" cap="flat" cmpd="sng" algn="ctr">
+                      <a:solidFill>
+                        <a:schemeClr val="tx1"/>
+                      </a:solidFill>
+                      <a:prstDash val="solid"/>
+                      <a:round/>
+                      <a:headEnd type="none" w="med" len="med"/>
+                      <a:tailEnd type="none" w="med" len="med"/>
+                    </a:lnR>
+                    <a:lnT w="12700" cap="flat" cmpd="sng" algn="ctr">
+                      <a:solidFill>
+                        <a:schemeClr val="tx1"/>
+                      </a:solidFill>
+                      <a:prstDash val="solid"/>
+                      <a:round/>
+                      <a:headEnd type="none" w="med" len="med"/>
+                      <a:tailEnd type="none" w="med" len="med"/>
+                    </a:lnT>
+                    <a:lnB w="12700" cap="flat" cmpd="sng" algn="ctr">
+                      <a:solidFill>
+                        <a:schemeClr val="tx1"/>
+                      </a:solidFill>
+                      <a:prstDash val="solid"/>
+                      <a:round/>
+                      <a:headEnd type="none" w="med" len="med"/>
+                      <a:tailEnd type="none" w="med" len="med"/>
+                    </a:lnB>
+                    <a:lnTlToBr w="12700" cmpd="sng">
+                      <a:noFill/>
+                      <a:prstDash val="solid"/>
+                    </a:lnTlToBr>
+                    <a:lnBlToTr w="12700" cmpd="sng">
+                      <a:noFill/>
+                      <a:prstDash val="solid"/>
+                    </a:lnBlToTr>
+                  </a:tcPr>
+                </a:tc>
+                <a:tc>
+                  <a:txBody>
+                    <a:bodyPr/>
+                    <a:lstStyle/>
+                    <a:p>
+                      <a:pPr latinLnBrk="1"/>
+                      <a:endParaRPr lang="ko-KR" altLang="en-US" dirty="0"/>
+                    </a:p>
+                  </a:txBody>
+                  <a:tcPr>
+                    <a:lnL w="12700" cap="flat" cmpd="sng" algn="ctr">
+                      <a:solidFill>
+                        <a:schemeClr val="tx1"/>
+                      </a:solidFill>
+                      <a:prstDash val="solid"/>
+                      <a:round/>
+                      <a:headEnd type="none" w="med" len="med"/>
+                      <a:tailEnd type="none" w="med" len="med"/>
+                    </a:lnL>
+                    <a:lnR w="12700" cap="flat" cmpd="sng" algn="ctr">
+                      <a:solidFill>
+                        <a:schemeClr val="tx1"/>
+                      </a:solidFill>
+                      <a:prstDash val="solid"/>
+                      <a:round/>
+                      <a:headEnd type="none" w="med" len="med"/>
+                      <a:tailEnd type="none" w="med" len="med"/>
+                    </a:lnR>
+                    <a:lnT w="12700" cap="flat" cmpd="sng" algn="ctr">
+                      <a:solidFill>
+                        <a:schemeClr val="tx1"/>
+                      </a:solidFill>
+                      <a:prstDash val="solid"/>
+                      <a:round/>
+                      <a:headEnd type="none" w="med" len="med"/>
+                      <a:tailEnd type="none" w="med" len="med"/>
+                    </a:lnT>
+                    <a:lnB w="12700" cap="flat" cmpd="sng" algn="ctr">
+                      <a:solidFill>
+                        <a:schemeClr val="tx1"/>
+                      </a:solidFill>
+                      <a:prstDash val="solid"/>
+                      <a:round/>
+                      <a:headEnd type="none" w="med" len="med"/>
+                      <a:tailEnd type="none" w="med" len="med"/>
+                    </a:lnB>
+                    <a:lnTlToBr w="12700" cmpd="sng">
+                      <a:noFill/>
+                      <a:prstDash val="solid"/>
+                    </a:lnTlToBr>
+                    <a:lnBlToTr w="12700" cmpd="sng">
+                      <a:noFill/>
+                      <a:prstDash val="solid"/>
+                    </a:lnBlToTr>
+                  </a:tcPr>
+                </a:tc>
+                <a:tc>
+                  <a:txBody>
+                    <a:bodyPr/>
+                    <a:lstStyle/>
+                    <a:p>
+                      <a:pPr latinLnBrk="1"/>
+                      <a:endParaRPr lang="ko-KR" altLang="en-US"/>
+                    </a:p>
+                  </a:txBody>
+                  <a:tcPr>
+                    <a:lnL w="12700" cap="flat" cmpd="sng" algn="ctr">
+                      <a:solidFill>
+                        <a:schemeClr val="tx1"/>
+                      </a:solidFill>
+                      <a:prstDash val="solid"/>
+                      <a:round/>
+                      <a:headEnd type="none" w="med" len="med"/>
+                      <a:tailEnd type="none" w="med" len="med"/>
+                    </a:lnL>
+                    <a:lnR w="12700" cap="flat" cmpd="sng" algn="ctr">
+                      <a:solidFill>
+                        <a:schemeClr val="tx1"/>
+                      </a:solidFill>
+                      <a:prstDash val="solid"/>
+                      <a:round/>
+                      <a:headEnd type="none" w="med" len="med"/>
+                      <a:tailEnd type="none" w="med" len="med"/>
+                    </a:lnR>
+                    <a:lnT w="12700" cap="flat" cmpd="sng" algn="ctr">
+                      <a:solidFill>
+                        <a:schemeClr val="tx1"/>
+                      </a:solidFill>
+                      <a:prstDash val="solid"/>
+                      <a:round/>
+                      <a:headEnd type="none" w="med" len="med"/>
+                      <a:tailEnd type="none" w="med" len="med"/>
+                    </a:lnT>
+                    <a:lnB w="12700" cap="flat" cmpd="sng" algn="ctr">
+                      <a:solidFill>
+                        <a:schemeClr val="tx1"/>
+                      </a:solidFill>
+                      <a:prstDash val="solid"/>
+                      <a:round/>
+                      <a:headEnd type="none" w="med" len="med"/>
+                      <a:tailEnd type="none" w="med" len="med"/>
+                    </a:lnB>
+                    <a:lnTlToBr w="12700" cmpd="sng">
+                      <a:noFill/>
+                      <a:prstDash val="solid"/>
+                    </a:lnTlToBr>
+                    <a:lnBlToTr w="12700" cmpd="sng">
+                      <a:noFill/>
+                      <a:prstDash val="solid"/>
+                    </a:lnBlToTr>
+                  </a:tcPr>
+                </a:tc>
+                <a:tc>
+                  <a:txBody>
+                    <a:bodyPr/>
+                    <a:lstStyle/>
+                    <a:p>
+                      <a:pPr latinLnBrk="1"/>
+                      <a:endParaRPr lang="ko-KR" altLang="en-US"/>
+                    </a:p>
+                  </a:txBody>
+                  <a:tcPr>
+                    <a:lnL w="12700" cap="flat" cmpd="sng" algn="ctr">
+                      <a:solidFill>
+                        <a:schemeClr val="tx1"/>
+                      </a:solidFill>
+                      <a:prstDash val="solid"/>
+                      <a:round/>
+                      <a:headEnd type="none" w="med" len="med"/>
+                      <a:tailEnd type="none" w="med" len="med"/>
+                    </a:lnL>
+                    <a:lnR w="12700" cap="flat" cmpd="sng" algn="ctr">
+                      <a:solidFill>
+                        <a:schemeClr val="tx1"/>
+                      </a:solidFill>
+                      <a:prstDash val="solid"/>
+                      <a:round/>
+                      <a:headEnd type="none" w="med" len="med"/>
+                      <a:tailEnd type="none" w="med" len="med"/>
+                    </a:lnR>
+                    <a:lnT w="12700" cap="flat" cmpd="sng" algn="ctr">
+                      <a:solidFill>
+                        <a:schemeClr val="tx1"/>
+                      </a:solidFill>
+                      <a:prstDash val="solid"/>
+                      <a:round/>
+                      <a:headEnd type="none" w="med" len="med"/>
+                      <a:tailEnd type="none" w="med" len="med"/>
+                    </a:lnT>
+                    <a:lnB w="12700" cap="flat" cmpd="sng" algn="ctr">
+                      <a:solidFill>
+                        <a:schemeClr val="tx1"/>
+                      </a:solidFill>
+                      <a:prstDash val="solid"/>
+                      <a:round/>
+                      <a:headEnd type="none" w="med" len="med"/>
+                      <a:tailEnd type="none" w="med" len="med"/>
+                    </a:lnB>
+                    <a:lnTlToBr w="12700" cmpd="sng">
+                      <a:noFill/>
+                      <a:prstDash val="solid"/>
+                    </a:lnTlToBr>
+                    <a:lnBlToTr w="12700" cmpd="sng">
+                      <a:noFill/>
+                      <a:prstDash val="solid"/>
+                    </a:lnBlToTr>
+                  </a:tcPr>
+                </a:tc>
+                <a:extLst>
+                  <a:ext uri="{0D108BD9-81ED-4DB2-BD59-A6C34878D82A}">
+                    <a16:rowId xmlns:a16="http://schemas.microsoft.com/office/drawing/2014/main" val="4103222634"/>
+                  </a:ext>
+                </a:extLst>
+              </a:tr>
+              <a:tr h="676068">
+                <a:tc>
+                  <a:txBody>
+                    <a:bodyPr/>
+                    <a:lstStyle/>
+                    <a:p>
+                      <a:pPr marL="0" marR="0" lvl="0" indent="0" algn="l" defTabSz="914400" rtl="0" eaLnBrk="1" fontAlgn="auto" latinLnBrk="1" hangingPunct="1">
+                        <a:lnSpc>
+                          <a:spcPct val="100000"/>
+                        </a:lnSpc>
+                        <a:spcBef>
+                          <a:spcPts val="0"/>
+                        </a:spcBef>
+                        <a:spcAft>
+                          <a:spcPts val="0"/>
+                        </a:spcAft>
+                        <a:buClr>
+                          <a:srgbClr val="000000"/>
+                        </a:buClr>
+                        <a:buSzTx/>
+                        <a:buFont typeface="Arial"/>
+                        <a:buNone/>
+                        <a:tabLst/>
+                        <a:defRPr/>
+                      </a:pPr>
+                      <a:r>
+                        <a:rPr lang="en-US" altLang="ko-KR" dirty="0"/>
+                        <a:t>Cluster2</a:t>
+                      </a:r>
+                      <a:endParaRPr lang="ko-KR" altLang="en-US" dirty="0"/>
+                    </a:p>
+                    <a:p>
+                      <a:pPr latinLnBrk="1"/>
+                      <a:endParaRPr lang="ko-KR" altLang="en-US" dirty="0"/>
+                    </a:p>
+                  </a:txBody>
+                  <a:tcPr>
+                    <a:lnL w="12700" cap="flat" cmpd="sng" algn="ctr">
+                      <a:solidFill>
+                        <a:schemeClr val="tx1"/>
+                      </a:solidFill>
+                      <a:prstDash val="solid"/>
+                      <a:round/>
+                      <a:headEnd type="none" w="med" len="med"/>
+                      <a:tailEnd type="none" w="med" len="med"/>
+                    </a:lnL>
+                    <a:lnR w="12700" cap="flat" cmpd="sng" algn="ctr">
+                      <a:solidFill>
+                        <a:schemeClr val="tx1"/>
+                      </a:solidFill>
+                      <a:prstDash val="solid"/>
+                      <a:round/>
+                      <a:headEnd type="none" w="med" len="med"/>
+                      <a:tailEnd type="none" w="med" len="med"/>
+                    </a:lnR>
+                    <a:lnT w="12700" cap="flat" cmpd="sng" algn="ctr">
+                      <a:solidFill>
+                        <a:schemeClr val="tx1"/>
+                      </a:solidFill>
+                      <a:prstDash val="solid"/>
+                      <a:round/>
+                      <a:headEnd type="none" w="med" len="med"/>
+                      <a:tailEnd type="none" w="med" len="med"/>
+                    </a:lnT>
+                    <a:lnB w="12700" cap="flat" cmpd="sng" algn="ctr">
+                      <a:solidFill>
+                        <a:schemeClr val="tx1"/>
+                      </a:solidFill>
+                      <a:prstDash val="solid"/>
+                      <a:round/>
+                      <a:headEnd type="none" w="med" len="med"/>
+                      <a:tailEnd type="none" w="med" len="med"/>
+                    </a:lnB>
+                    <a:lnTlToBr w="12700" cmpd="sng">
+                      <a:noFill/>
+                      <a:prstDash val="solid"/>
+                    </a:lnTlToBr>
+                    <a:lnBlToTr w="12700" cmpd="sng">
+                      <a:noFill/>
+                      <a:prstDash val="solid"/>
+                    </a:lnBlToTr>
+                  </a:tcPr>
+                </a:tc>
+                <a:tc>
+                  <a:txBody>
+                    <a:bodyPr/>
+                    <a:lstStyle/>
+                    <a:p>
+                      <a:pPr latinLnBrk="1"/>
+                      <a:endParaRPr lang="ko-KR" altLang="en-US" dirty="0"/>
+                    </a:p>
+                  </a:txBody>
+                  <a:tcPr>
+                    <a:lnL w="12700" cap="flat" cmpd="sng" algn="ctr">
+                      <a:solidFill>
+                        <a:schemeClr val="tx1"/>
+                      </a:solidFill>
+                      <a:prstDash val="solid"/>
+                      <a:round/>
+                      <a:headEnd type="none" w="med" len="med"/>
+                      <a:tailEnd type="none" w="med" len="med"/>
+                    </a:lnL>
+                    <a:lnR w="12700" cap="flat" cmpd="sng" algn="ctr">
+                      <a:solidFill>
+                        <a:schemeClr val="tx1"/>
+                      </a:solidFill>
+                      <a:prstDash val="solid"/>
+                      <a:round/>
+                      <a:headEnd type="none" w="med" len="med"/>
+                      <a:tailEnd type="none" w="med" len="med"/>
+                    </a:lnR>
+                    <a:lnT w="12700" cap="flat" cmpd="sng" algn="ctr">
+                      <a:solidFill>
+                        <a:schemeClr val="tx1"/>
+                      </a:solidFill>
+                      <a:prstDash val="solid"/>
+                      <a:round/>
+                      <a:headEnd type="none" w="med" len="med"/>
+                      <a:tailEnd type="none" w="med" len="med"/>
+                    </a:lnT>
+                    <a:lnB w="12700" cap="flat" cmpd="sng" algn="ctr">
+                      <a:solidFill>
+                        <a:schemeClr val="tx1"/>
+                      </a:solidFill>
+                      <a:prstDash val="solid"/>
+                      <a:round/>
+                      <a:headEnd type="none" w="med" len="med"/>
+                      <a:tailEnd type="none" w="med" len="med"/>
+                    </a:lnB>
+                    <a:lnTlToBr w="12700" cmpd="sng">
+                      <a:noFill/>
+                      <a:prstDash val="solid"/>
+                    </a:lnTlToBr>
+                    <a:lnBlToTr w="12700" cmpd="sng">
+                      <a:noFill/>
+                      <a:prstDash val="solid"/>
+                    </a:lnBlToTr>
+                  </a:tcPr>
+                </a:tc>
+                <a:tc>
+                  <a:txBody>
+                    <a:bodyPr/>
+                    <a:lstStyle/>
+                    <a:p>
+                      <a:pPr latinLnBrk="1"/>
+                      <a:endParaRPr lang="ko-KR" altLang="en-US"/>
+                    </a:p>
+                  </a:txBody>
+                  <a:tcPr>
+                    <a:lnL w="12700" cap="flat" cmpd="sng" algn="ctr">
+                      <a:solidFill>
+                        <a:schemeClr val="tx1"/>
+                      </a:solidFill>
+                      <a:prstDash val="solid"/>
+                      <a:round/>
+                      <a:headEnd type="none" w="med" len="med"/>
+                      <a:tailEnd type="none" w="med" len="med"/>
+                    </a:lnL>
+                    <a:lnR w="12700" cap="flat" cmpd="sng" algn="ctr">
+                      <a:solidFill>
+                        <a:schemeClr val="tx1"/>
+                      </a:solidFill>
+                      <a:prstDash val="solid"/>
+                      <a:round/>
+                      <a:headEnd type="none" w="med" len="med"/>
+                      <a:tailEnd type="none" w="med" len="med"/>
+                    </a:lnR>
+                    <a:lnT w="12700" cap="flat" cmpd="sng" algn="ctr">
+                      <a:solidFill>
+                        <a:schemeClr val="tx1"/>
+                      </a:solidFill>
+                      <a:prstDash val="solid"/>
+                      <a:round/>
+                      <a:headEnd type="none" w="med" len="med"/>
+                      <a:tailEnd type="none" w="med" len="med"/>
+                    </a:lnT>
+                    <a:lnB w="12700" cap="flat" cmpd="sng" algn="ctr">
+                      <a:solidFill>
+                        <a:schemeClr val="tx1"/>
+                      </a:solidFill>
+                      <a:prstDash val="solid"/>
+                      <a:round/>
+                      <a:headEnd type="none" w="med" len="med"/>
+                      <a:tailEnd type="none" w="med" len="med"/>
+                    </a:lnB>
+                    <a:lnTlToBr w="12700" cmpd="sng">
+                      <a:noFill/>
+                      <a:prstDash val="solid"/>
+                    </a:lnTlToBr>
+                    <a:lnBlToTr w="12700" cmpd="sng">
+                      <a:noFill/>
+                      <a:prstDash val="solid"/>
+                    </a:lnBlToTr>
+                  </a:tcPr>
+                </a:tc>
+                <a:tc>
+                  <a:txBody>
+                    <a:bodyPr/>
+                    <a:lstStyle/>
+                    <a:p>
+                      <a:pPr latinLnBrk="1"/>
+                      <a:endParaRPr lang="ko-KR" altLang="en-US" dirty="0"/>
+                    </a:p>
+                  </a:txBody>
+                  <a:tcPr>
+                    <a:lnL w="12700" cap="flat" cmpd="sng" algn="ctr">
+                      <a:solidFill>
+                        <a:schemeClr val="tx1"/>
+                      </a:solidFill>
+                      <a:prstDash val="solid"/>
+                      <a:round/>
+                      <a:headEnd type="none" w="med" len="med"/>
+                      <a:tailEnd type="none" w="med" len="med"/>
+                    </a:lnL>
+                    <a:lnR w="12700" cap="flat" cmpd="sng" algn="ctr">
+                      <a:solidFill>
+                        <a:schemeClr val="tx1"/>
+                      </a:solidFill>
+                      <a:prstDash val="solid"/>
+                      <a:round/>
+                      <a:headEnd type="none" w="med" len="med"/>
+                      <a:tailEnd type="none" w="med" len="med"/>
+                    </a:lnR>
+                    <a:lnT w="12700" cap="flat" cmpd="sng" algn="ctr">
+                      <a:solidFill>
+                        <a:schemeClr val="tx1"/>
+                      </a:solidFill>
+                      <a:prstDash val="solid"/>
+                      <a:round/>
+                      <a:headEnd type="none" w="med" len="med"/>
+                      <a:tailEnd type="none" w="med" len="med"/>
+                    </a:lnT>
+                    <a:lnB w="12700" cap="flat" cmpd="sng" algn="ctr">
+                      <a:solidFill>
+                        <a:schemeClr val="tx1"/>
+                      </a:solidFill>
+                      <a:prstDash val="solid"/>
+                      <a:round/>
+                      <a:headEnd type="none" w="med" len="med"/>
+                      <a:tailEnd type="none" w="med" len="med"/>
+                    </a:lnB>
+                    <a:lnTlToBr w="12700" cmpd="sng">
+                      <a:noFill/>
+                      <a:prstDash val="solid"/>
+                    </a:lnTlToBr>
+                    <a:lnBlToTr w="12700" cmpd="sng">
+                      <a:noFill/>
+                      <a:prstDash val="solid"/>
+                    </a:lnBlToTr>
+                  </a:tcPr>
+                </a:tc>
+                <a:extLst>
+                  <a:ext uri="{0D108BD9-81ED-4DB2-BD59-A6C34878D82A}">
+                    <a16:rowId xmlns:a16="http://schemas.microsoft.com/office/drawing/2014/main" val="2945186069"/>
+                  </a:ext>
+                </a:extLst>
+              </a:tr>
+              <a:tr h="715063">
+                <a:tc>
+                  <a:txBody>
+                    <a:bodyPr/>
+                    <a:lstStyle/>
+                    <a:p>
+                      <a:pPr marL="0" marR="0" lvl="0" indent="0" algn="l" defTabSz="914400" rtl="0" eaLnBrk="1" fontAlgn="auto" latinLnBrk="1" hangingPunct="1">
+                        <a:lnSpc>
+                          <a:spcPct val="100000"/>
+                        </a:lnSpc>
+                        <a:spcBef>
+                          <a:spcPts val="0"/>
+                        </a:spcBef>
+                        <a:spcAft>
+                          <a:spcPts val="0"/>
+                        </a:spcAft>
+                        <a:buClr>
+                          <a:srgbClr val="000000"/>
+                        </a:buClr>
+                        <a:buSzTx/>
+                        <a:buFont typeface="Arial"/>
+                        <a:buNone/>
+                        <a:tabLst/>
+                        <a:defRPr/>
+                      </a:pPr>
+                      <a:r>
+                        <a:rPr lang="en-US" altLang="ko-KR" dirty="0"/>
+                        <a:t>Cluster3</a:t>
+                      </a:r>
+                      <a:endParaRPr lang="ko-KR" altLang="en-US" dirty="0"/>
+                    </a:p>
+                    <a:p>
+                      <a:pPr latinLnBrk="1"/>
+                      <a:endParaRPr lang="ko-KR" altLang="en-US" dirty="0"/>
+                    </a:p>
+                  </a:txBody>
+                  <a:tcPr>
+                    <a:lnL w="12700" cap="flat" cmpd="sng" algn="ctr">
+                      <a:solidFill>
+                        <a:schemeClr val="tx1"/>
+                      </a:solidFill>
+                      <a:prstDash val="solid"/>
+                      <a:round/>
+                      <a:headEnd type="none" w="med" len="med"/>
+                      <a:tailEnd type="none" w="med" len="med"/>
+                    </a:lnL>
+                    <a:lnR w="12700" cap="flat" cmpd="sng" algn="ctr">
+                      <a:solidFill>
+                        <a:schemeClr val="tx1"/>
+                      </a:solidFill>
+                      <a:prstDash val="solid"/>
+                      <a:round/>
+                      <a:headEnd type="none" w="med" len="med"/>
+                      <a:tailEnd type="none" w="med" len="med"/>
+                    </a:lnR>
+                    <a:lnT w="12700" cap="flat" cmpd="sng" algn="ctr">
+                      <a:solidFill>
+                        <a:schemeClr val="tx1"/>
+                      </a:solidFill>
+                      <a:prstDash val="solid"/>
+                      <a:round/>
+                      <a:headEnd type="none" w="med" len="med"/>
+                      <a:tailEnd type="none" w="med" len="med"/>
+                    </a:lnT>
+                    <a:lnB w="12700" cap="flat" cmpd="sng" algn="ctr">
+                      <a:solidFill>
+                        <a:schemeClr val="tx1"/>
+                      </a:solidFill>
+                      <a:prstDash val="solid"/>
+                      <a:round/>
+                      <a:headEnd type="none" w="med" len="med"/>
+                      <a:tailEnd type="none" w="med" len="med"/>
+                    </a:lnB>
+                    <a:lnTlToBr w="12700" cmpd="sng">
+                      <a:noFill/>
+                      <a:prstDash val="solid"/>
+                    </a:lnTlToBr>
+                    <a:lnBlToTr w="12700" cmpd="sng">
+                      <a:noFill/>
+                      <a:prstDash val="solid"/>
+                    </a:lnBlToTr>
+                  </a:tcPr>
+                </a:tc>
+                <a:tc>
+                  <a:txBody>
+                    <a:bodyPr/>
+                    <a:lstStyle/>
+                    <a:p>
+                      <a:pPr latinLnBrk="1"/>
+                      <a:endParaRPr lang="ko-KR" altLang="en-US" dirty="0"/>
+                    </a:p>
+                  </a:txBody>
+                  <a:tcPr>
+                    <a:lnL w="12700" cap="flat" cmpd="sng" algn="ctr">
+                      <a:solidFill>
+                        <a:schemeClr val="tx1"/>
+                      </a:solidFill>
+                      <a:prstDash val="solid"/>
+                      <a:round/>
+                      <a:headEnd type="none" w="med" len="med"/>
+                      <a:tailEnd type="none" w="med" len="med"/>
+                    </a:lnL>
+                    <a:lnR w="12700" cap="flat" cmpd="sng" algn="ctr">
+                      <a:solidFill>
+                        <a:schemeClr val="tx1"/>
+                      </a:solidFill>
+                      <a:prstDash val="solid"/>
+                      <a:round/>
+                      <a:headEnd type="none" w="med" len="med"/>
+                      <a:tailEnd type="none" w="med" len="med"/>
+                    </a:lnR>
+                    <a:lnT w="12700" cap="flat" cmpd="sng" algn="ctr">
+                      <a:solidFill>
+                        <a:schemeClr val="tx1"/>
+                      </a:solidFill>
+                      <a:prstDash val="solid"/>
+                      <a:round/>
+                      <a:headEnd type="none" w="med" len="med"/>
+                      <a:tailEnd type="none" w="med" len="med"/>
+                    </a:lnT>
+                    <a:lnB w="12700" cap="flat" cmpd="sng" algn="ctr">
+                      <a:solidFill>
+                        <a:schemeClr val="tx1"/>
+                      </a:solidFill>
+                      <a:prstDash val="solid"/>
+                      <a:round/>
+                      <a:headEnd type="none" w="med" len="med"/>
+                      <a:tailEnd type="none" w="med" len="med"/>
+                    </a:lnB>
+                    <a:lnTlToBr w="12700" cmpd="sng">
+                      <a:noFill/>
+                      <a:prstDash val="solid"/>
+                    </a:lnTlToBr>
+                    <a:lnBlToTr w="12700" cmpd="sng">
+                      <a:noFill/>
+                      <a:prstDash val="solid"/>
+                    </a:lnBlToTr>
+                  </a:tcPr>
+                </a:tc>
+                <a:tc>
+                  <a:txBody>
+                    <a:bodyPr/>
+                    <a:lstStyle/>
+                    <a:p>
+                      <a:pPr latinLnBrk="1"/>
+                      <a:endParaRPr lang="ko-KR" altLang="en-US" dirty="0"/>
+                    </a:p>
+                  </a:txBody>
+                  <a:tcPr>
+                    <a:lnL w="12700" cap="flat" cmpd="sng" algn="ctr">
+                      <a:solidFill>
+                        <a:schemeClr val="tx1"/>
+                      </a:solidFill>
+                      <a:prstDash val="solid"/>
+                      <a:round/>
+                      <a:headEnd type="none" w="med" len="med"/>
+                      <a:tailEnd type="none" w="med" len="med"/>
+                    </a:lnL>
+                    <a:lnR w="12700" cap="flat" cmpd="sng" algn="ctr">
+                      <a:solidFill>
+                        <a:schemeClr val="tx1"/>
+                      </a:solidFill>
+                      <a:prstDash val="solid"/>
+                      <a:round/>
+                      <a:headEnd type="none" w="med" len="med"/>
+                      <a:tailEnd type="none" w="med" len="med"/>
+                    </a:lnR>
+                    <a:lnT w="12700" cap="flat" cmpd="sng" algn="ctr">
+                      <a:solidFill>
+                        <a:schemeClr val="tx1"/>
+                      </a:solidFill>
+                      <a:prstDash val="solid"/>
+                      <a:round/>
+                      <a:headEnd type="none" w="med" len="med"/>
+                      <a:tailEnd type="none" w="med" len="med"/>
+                    </a:lnT>
+                    <a:lnB w="12700" cap="flat" cmpd="sng" algn="ctr">
+                      <a:solidFill>
+                        <a:schemeClr val="tx1"/>
+                      </a:solidFill>
+                      <a:prstDash val="solid"/>
+                      <a:round/>
+                      <a:headEnd type="none" w="med" len="med"/>
+                      <a:tailEnd type="none" w="med" len="med"/>
+                    </a:lnB>
+                    <a:lnTlToBr w="12700" cmpd="sng">
+                      <a:noFill/>
+                      <a:prstDash val="solid"/>
+                    </a:lnTlToBr>
+                    <a:lnBlToTr w="12700" cmpd="sng">
+                      <a:noFill/>
+                      <a:prstDash val="solid"/>
+                    </a:lnBlToTr>
+                  </a:tcPr>
+                </a:tc>
+                <a:tc>
+                  <a:txBody>
+                    <a:bodyPr/>
+                    <a:lstStyle/>
+                    <a:p>
+                      <a:pPr latinLnBrk="1"/>
+                      <a:endParaRPr lang="ko-KR" altLang="en-US"/>
+                    </a:p>
+                  </a:txBody>
+                  <a:tcPr>
+                    <a:lnL w="12700" cap="flat" cmpd="sng" algn="ctr">
+                      <a:solidFill>
+                        <a:schemeClr val="tx1"/>
+                      </a:solidFill>
+                      <a:prstDash val="solid"/>
+                      <a:round/>
+                      <a:headEnd type="none" w="med" len="med"/>
+                      <a:tailEnd type="none" w="med" len="med"/>
+                    </a:lnL>
+                    <a:lnR w="12700" cap="flat" cmpd="sng" algn="ctr">
+                      <a:solidFill>
+                        <a:schemeClr val="tx1"/>
+                      </a:solidFill>
+                      <a:prstDash val="solid"/>
+                      <a:round/>
+                      <a:headEnd type="none" w="med" len="med"/>
+                      <a:tailEnd type="none" w="med" len="med"/>
+                    </a:lnR>
+                    <a:lnT w="12700" cap="flat" cmpd="sng" algn="ctr">
+                      <a:solidFill>
+                        <a:schemeClr val="tx1"/>
+                      </a:solidFill>
+                      <a:prstDash val="solid"/>
+                      <a:round/>
+                      <a:headEnd type="none" w="med" len="med"/>
+                      <a:tailEnd type="none" w="med" len="med"/>
+                    </a:lnT>
+                    <a:lnB w="12700" cap="flat" cmpd="sng" algn="ctr">
+                      <a:solidFill>
+                        <a:schemeClr val="tx1"/>
+                      </a:solidFill>
+                      <a:prstDash val="solid"/>
+                      <a:round/>
+                      <a:headEnd type="none" w="med" len="med"/>
+                      <a:tailEnd type="none" w="med" len="med"/>
+                    </a:lnB>
+                    <a:lnTlToBr w="12700" cmpd="sng">
+                      <a:noFill/>
+                      <a:prstDash val="solid"/>
+                    </a:lnTlToBr>
+                    <a:lnBlToTr w="12700" cmpd="sng">
+                      <a:noFill/>
+                      <a:prstDash val="solid"/>
+                    </a:lnBlToTr>
+                  </a:tcPr>
+                </a:tc>
+                <a:extLst>
+                  <a:ext uri="{0D108BD9-81ED-4DB2-BD59-A6C34878D82A}">
+                    <a16:rowId xmlns:a16="http://schemas.microsoft.com/office/drawing/2014/main" val="726059889"/>
+                  </a:ext>
+                </a:extLst>
+              </a:tr>
+              <a:tr h="715063">
+                <a:tc>
+                  <a:txBody>
+                    <a:bodyPr/>
+                    <a:lstStyle/>
+                    <a:p>
+                      <a:pPr marL="0" marR="0" lvl="0" indent="0" algn="l" defTabSz="914400" rtl="0" eaLnBrk="1" fontAlgn="auto" latinLnBrk="1" hangingPunct="1">
+                        <a:lnSpc>
+                          <a:spcPct val="100000"/>
+                        </a:lnSpc>
+                        <a:spcBef>
+                          <a:spcPts val="0"/>
+                        </a:spcBef>
+                        <a:spcAft>
+                          <a:spcPts val="0"/>
+                        </a:spcAft>
+                        <a:buClr>
+                          <a:srgbClr val="000000"/>
+                        </a:buClr>
+                        <a:buSzTx/>
+                        <a:buFont typeface="Arial"/>
+                        <a:buNone/>
+                        <a:tabLst/>
+                        <a:defRPr/>
+                      </a:pPr>
+                      <a:r>
+                        <a:rPr lang="en-US" altLang="ko-KR" dirty="0"/>
+                        <a:t>Cluster4</a:t>
+                      </a:r>
+                      <a:endParaRPr lang="ko-KR" altLang="en-US" dirty="0"/>
+                    </a:p>
+                    <a:p>
+                      <a:pPr latinLnBrk="1"/>
+                      <a:endParaRPr lang="ko-KR" altLang="en-US" dirty="0"/>
+                    </a:p>
+                  </a:txBody>
+                  <a:tcPr>
+                    <a:lnL w="12700" cap="flat" cmpd="sng" algn="ctr">
+                      <a:solidFill>
+                        <a:schemeClr val="tx1"/>
+                      </a:solidFill>
+                      <a:prstDash val="solid"/>
+                      <a:round/>
+                      <a:headEnd type="none" w="med" len="med"/>
+                      <a:tailEnd type="none" w="med" len="med"/>
+                    </a:lnL>
+                    <a:lnR w="12700" cap="flat" cmpd="sng" algn="ctr">
+                      <a:solidFill>
+                        <a:schemeClr val="tx1"/>
+                      </a:solidFill>
+                      <a:prstDash val="solid"/>
+                      <a:round/>
+                      <a:headEnd type="none" w="med" len="med"/>
+                      <a:tailEnd type="none" w="med" len="med"/>
+                    </a:lnR>
+                    <a:lnT w="12700" cap="flat" cmpd="sng" algn="ctr">
+                      <a:solidFill>
+                        <a:schemeClr val="tx1"/>
+                      </a:solidFill>
+                      <a:prstDash val="solid"/>
+                      <a:round/>
+                      <a:headEnd type="none" w="med" len="med"/>
+                      <a:tailEnd type="none" w="med" len="med"/>
+                    </a:lnT>
+                    <a:lnB w="12700" cap="flat" cmpd="sng" algn="ctr">
+                      <a:solidFill>
+                        <a:schemeClr val="tx1"/>
+                      </a:solidFill>
+                      <a:prstDash val="solid"/>
+                      <a:round/>
+                      <a:headEnd type="none" w="med" len="med"/>
+                      <a:tailEnd type="none" w="med" len="med"/>
+                    </a:lnB>
+                    <a:lnTlToBr w="12700" cmpd="sng">
+                      <a:noFill/>
+                      <a:prstDash val="solid"/>
+                    </a:lnTlToBr>
+                    <a:lnBlToTr w="12700" cmpd="sng">
+                      <a:noFill/>
+                      <a:prstDash val="solid"/>
+                    </a:lnBlToTr>
+                  </a:tcPr>
+                </a:tc>
+                <a:tc>
+                  <a:txBody>
+                    <a:bodyPr/>
+                    <a:lstStyle/>
+                    <a:p>
+                      <a:pPr latinLnBrk="1"/>
+                      <a:endParaRPr lang="ko-KR" altLang="en-US" dirty="0"/>
+                    </a:p>
+                  </a:txBody>
+                  <a:tcPr>
+                    <a:lnL w="12700" cap="flat" cmpd="sng" algn="ctr">
+                      <a:solidFill>
+                        <a:schemeClr val="tx1"/>
+                      </a:solidFill>
+                      <a:prstDash val="solid"/>
+                      <a:round/>
+                      <a:headEnd type="none" w="med" len="med"/>
+                      <a:tailEnd type="none" w="med" len="med"/>
+                    </a:lnL>
+                    <a:lnR w="12700" cap="flat" cmpd="sng" algn="ctr">
+                      <a:solidFill>
+                        <a:schemeClr val="tx1"/>
+                      </a:solidFill>
+                      <a:prstDash val="solid"/>
+                      <a:round/>
+                      <a:headEnd type="none" w="med" len="med"/>
+                      <a:tailEnd type="none" w="med" len="med"/>
+                    </a:lnR>
+                    <a:lnT w="12700" cap="flat" cmpd="sng" algn="ctr">
+                      <a:solidFill>
+                        <a:schemeClr val="tx1"/>
+                      </a:solidFill>
+                      <a:prstDash val="solid"/>
+                      <a:round/>
+                      <a:headEnd type="none" w="med" len="med"/>
+                      <a:tailEnd type="none" w="med" len="med"/>
+                    </a:lnT>
+                    <a:lnB w="12700" cap="flat" cmpd="sng" algn="ctr">
+                      <a:solidFill>
+                        <a:schemeClr val="tx1"/>
+                      </a:solidFill>
+                      <a:prstDash val="solid"/>
+                      <a:round/>
+                      <a:headEnd type="none" w="med" len="med"/>
+                      <a:tailEnd type="none" w="med" len="med"/>
+                    </a:lnB>
+                    <a:lnTlToBr w="12700" cmpd="sng">
+                      <a:noFill/>
+                      <a:prstDash val="solid"/>
+                    </a:lnTlToBr>
+                    <a:lnBlToTr w="12700" cmpd="sng">
+                      <a:noFill/>
+                      <a:prstDash val="solid"/>
+                    </a:lnBlToTr>
+                  </a:tcPr>
+                </a:tc>
+                <a:tc>
+                  <a:txBody>
+                    <a:bodyPr/>
+                    <a:lstStyle/>
+                    <a:p>
+                      <a:pPr latinLnBrk="1"/>
+                      <a:endParaRPr lang="ko-KR" altLang="en-US"/>
+                    </a:p>
+                  </a:txBody>
+                  <a:tcPr>
+                    <a:lnL w="12700" cap="flat" cmpd="sng" algn="ctr">
+                      <a:solidFill>
+                        <a:schemeClr val="tx1"/>
+                      </a:solidFill>
+                      <a:prstDash val="solid"/>
+                      <a:round/>
+                      <a:headEnd type="none" w="med" len="med"/>
+                      <a:tailEnd type="none" w="med" len="med"/>
+                    </a:lnL>
+                    <a:lnR w="12700" cap="flat" cmpd="sng" algn="ctr">
+                      <a:solidFill>
+                        <a:schemeClr val="tx1"/>
+                      </a:solidFill>
+                      <a:prstDash val="solid"/>
+                      <a:round/>
+                      <a:headEnd type="none" w="med" len="med"/>
+                      <a:tailEnd type="none" w="med" len="med"/>
+                    </a:lnR>
+                    <a:lnT w="12700" cap="flat" cmpd="sng" algn="ctr">
+                      <a:solidFill>
+                        <a:schemeClr val="tx1"/>
+                      </a:solidFill>
+                      <a:prstDash val="solid"/>
+                      <a:round/>
+                      <a:headEnd type="none" w="med" len="med"/>
+                      <a:tailEnd type="none" w="med" len="med"/>
+                    </a:lnT>
+                    <a:lnB w="12700" cap="flat" cmpd="sng" algn="ctr">
+                      <a:solidFill>
+                        <a:schemeClr val="tx1"/>
+                      </a:solidFill>
+                      <a:prstDash val="solid"/>
+                      <a:round/>
+                      <a:headEnd type="none" w="med" len="med"/>
+                      <a:tailEnd type="none" w="med" len="med"/>
+                    </a:lnB>
+                    <a:lnTlToBr w="12700" cmpd="sng">
+                      <a:noFill/>
+                      <a:prstDash val="solid"/>
+                    </a:lnTlToBr>
+                    <a:lnBlToTr w="12700" cmpd="sng">
+                      <a:noFill/>
+                      <a:prstDash val="solid"/>
+                    </a:lnBlToTr>
+                  </a:tcPr>
+                </a:tc>
+                <a:tc>
+                  <a:txBody>
+                    <a:bodyPr/>
+                    <a:lstStyle/>
+                    <a:p>
+                      <a:pPr latinLnBrk="1"/>
+                      <a:endParaRPr lang="ko-KR" altLang="en-US"/>
+                    </a:p>
+                  </a:txBody>
+                  <a:tcPr>
+                    <a:lnL w="12700" cap="flat" cmpd="sng" algn="ctr">
+                      <a:solidFill>
+                        <a:schemeClr val="tx1"/>
+                      </a:solidFill>
+                      <a:prstDash val="solid"/>
+                      <a:round/>
+                      <a:headEnd type="none" w="med" len="med"/>
+                      <a:tailEnd type="none" w="med" len="med"/>
+                    </a:lnL>
+                    <a:lnR w="12700" cap="flat" cmpd="sng" algn="ctr">
+                      <a:solidFill>
+                        <a:schemeClr val="tx1"/>
+                      </a:solidFill>
+                      <a:prstDash val="solid"/>
+                      <a:round/>
+                      <a:headEnd type="none" w="med" len="med"/>
+                      <a:tailEnd type="none" w="med" len="med"/>
+                    </a:lnR>
+                    <a:lnT w="12700" cap="flat" cmpd="sng" algn="ctr">
+                      <a:solidFill>
+                        <a:schemeClr val="tx1"/>
+                      </a:solidFill>
+                      <a:prstDash val="solid"/>
+                      <a:round/>
+                      <a:headEnd type="none" w="med" len="med"/>
+                      <a:tailEnd type="none" w="med" len="med"/>
+                    </a:lnT>
+                    <a:lnB w="12700" cap="flat" cmpd="sng" algn="ctr">
+                      <a:solidFill>
+                        <a:schemeClr val="tx1"/>
+                      </a:solidFill>
+                      <a:prstDash val="solid"/>
+                      <a:round/>
+                      <a:headEnd type="none" w="med" len="med"/>
+                      <a:tailEnd type="none" w="med" len="med"/>
+                    </a:lnB>
+                    <a:lnTlToBr w="12700" cmpd="sng">
+                      <a:noFill/>
+                      <a:prstDash val="solid"/>
+                    </a:lnTlToBr>
+                    <a:lnBlToTr w="12700" cmpd="sng">
+                      <a:noFill/>
+                      <a:prstDash val="solid"/>
+                    </a:lnBlToTr>
+                  </a:tcPr>
+                </a:tc>
+                <a:extLst>
+                  <a:ext uri="{0D108BD9-81ED-4DB2-BD59-A6C34878D82A}">
+                    <a16:rowId xmlns:a16="http://schemas.microsoft.com/office/drawing/2014/main" val="1188691907"/>
+                  </a:ext>
+                </a:extLst>
+              </a:tr>
+              <a:tr h="715063">
+                <a:tc>
+                  <a:txBody>
+                    <a:bodyPr/>
+                    <a:lstStyle/>
+                    <a:p>
+                      <a:pPr marL="0" marR="0" lvl="0" indent="0" algn="l" defTabSz="914400" rtl="0" eaLnBrk="1" fontAlgn="auto" latinLnBrk="1" hangingPunct="1">
+                        <a:lnSpc>
+                          <a:spcPct val="100000"/>
+                        </a:lnSpc>
+                        <a:spcBef>
+                          <a:spcPts val="0"/>
+                        </a:spcBef>
+                        <a:spcAft>
+                          <a:spcPts val="0"/>
+                        </a:spcAft>
+                        <a:buClr>
+                          <a:srgbClr val="000000"/>
+                        </a:buClr>
+                        <a:buSzTx/>
+                        <a:buFont typeface="Arial"/>
+                        <a:buNone/>
+                        <a:tabLst/>
+                        <a:defRPr/>
+                      </a:pPr>
+                      <a:r>
+                        <a:rPr lang="en-US" altLang="ko-KR" dirty="0"/>
+                        <a:t>Cluster5</a:t>
+                      </a:r>
+                      <a:endParaRPr lang="ko-KR" altLang="en-US" dirty="0"/>
+                    </a:p>
+                    <a:p>
+                      <a:pPr latinLnBrk="1"/>
+                      <a:endParaRPr lang="ko-KR" altLang="en-US" dirty="0"/>
+                    </a:p>
+                  </a:txBody>
+                  <a:tcPr>
+                    <a:lnL w="12700" cap="flat" cmpd="sng" algn="ctr">
+                      <a:solidFill>
+                        <a:schemeClr val="tx1"/>
+                      </a:solidFill>
+                      <a:prstDash val="solid"/>
+                      <a:round/>
+                      <a:headEnd type="none" w="med" len="med"/>
+                      <a:tailEnd type="none" w="med" len="med"/>
+                    </a:lnL>
+                    <a:lnR w="12700" cap="flat" cmpd="sng" algn="ctr">
+                      <a:solidFill>
+                        <a:schemeClr val="tx1"/>
+                      </a:solidFill>
+                      <a:prstDash val="solid"/>
+                      <a:round/>
+                      <a:headEnd type="none" w="med" len="med"/>
+                      <a:tailEnd type="none" w="med" len="med"/>
+                    </a:lnR>
+                    <a:lnT w="12700" cap="flat" cmpd="sng" algn="ctr">
+                      <a:solidFill>
+                        <a:schemeClr val="tx1"/>
+                      </a:solidFill>
+                      <a:prstDash val="solid"/>
+                      <a:round/>
+                      <a:headEnd type="none" w="med" len="med"/>
+                      <a:tailEnd type="none" w="med" len="med"/>
+                    </a:lnT>
+                    <a:lnB w="12700" cap="flat" cmpd="sng" algn="ctr">
+                      <a:solidFill>
+                        <a:schemeClr val="tx1"/>
+                      </a:solidFill>
+                      <a:prstDash val="solid"/>
+                      <a:round/>
+                      <a:headEnd type="none" w="med" len="med"/>
+                      <a:tailEnd type="none" w="med" len="med"/>
+                    </a:lnB>
+                    <a:lnTlToBr w="12700" cmpd="sng">
+                      <a:noFill/>
+                      <a:prstDash val="solid"/>
+                    </a:lnTlToBr>
+                    <a:lnBlToTr w="12700" cmpd="sng">
+                      <a:noFill/>
+                      <a:prstDash val="solid"/>
+                    </a:lnBlToTr>
+                  </a:tcPr>
+                </a:tc>
+                <a:tc>
+                  <a:txBody>
+                    <a:bodyPr/>
+                    <a:lstStyle/>
+                    <a:p>
+                      <a:pPr latinLnBrk="1"/>
+                      <a:endParaRPr lang="ko-KR" altLang="en-US" dirty="0"/>
+                    </a:p>
+                  </a:txBody>
+                  <a:tcPr>
+                    <a:lnL w="12700" cap="flat" cmpd="sng" algn="ctr">
+                      <a:solidFill>
+                        <a:schemeClr val="tx1"/>
+                      </a:solidFill>
+                      <a:prstDash val="solid"/>
+                      <a:round/>
+                      <a:headEnd type="none" w="med" len="med"/>
+                      <a:tailEnd type="none" w="med" len="med"/>
+                    </a:lnL>
+                    <a:lnR w="12700" cap="flat" cmpd="sng" algn="ctr">
+                      <a:solidFill>
+                        <a:schemeClr val="tx1"/>
+                      </a:solidFill>
+                      <a:prstDash val="solid"/>
+                      <a:round/>
+                      <a:headEnd type="none" w="med" len="med"/>
+                      <a:tailEnd type="none" w="med" len="med"/>
+                    </a:lnR>
+                    <a:lnT w="12700" cap="flat" cmpd="sng" algn="ctr">
+                      <a:solidFill>
+                        <a:schemeClr val="tx1"/>
+                      </a:solidFill>
+                      <a:prstDash val="solid"/>
+                      <a:round/>
+                      <a:headEnd type="none" w="med" len="med"/>
+                      <a:tailEnd type="none" w="med" len="med"/>
+                    </a:lnT>
+                    <a:lnB w="12700" cap="flat" cmpd="sng" algn="ctr">
+                      <a:solidFill>
+                        <a:schemeClr val="tx1"/>
+                      </a:solidFill>
+                      <a:prstDash val="solid"/>
+                      <a:round/>
+                      <a:headEnd type="none" w="med" len="med"/>
+                      <a:tailEnd type="none" w="med" len="med"/>
+                    </a:lnB>
+                    <a:lnTlToBr w="12700" cmpd="sng">
+                      <a:noFill/>
+                      <a:prstDash val="solid"/>
+                    </a:lnTlToBr>
+                    <a:lnBlToTr w="12700" cmpd="sng">
+                      <a:noFill/>
+                      <a:prstDash val="solid"/>
+                    </a:lnBlToTr>
+                  </a:tcPr>
+                </a:tc>
+                <a:tc>
+                  <a:txBody>
+                    <a:bodyPr/>
+                    <a:lstStyle/>
+                    <a:p>
+                      <a:pPr latinLnBrk="1"/>
+                      <a:endParaRPr lang="ko-KR" altLang="en-US"/>
+                    </a:p>
+                  </a:txBody>
+                  <a:tcPr>
+                    <a:lnL w="12700" cap="flat" cmpd="sng" algn="ctr">
+                      <a:solidFill>
+                        <a:schemeClr val="tx1"/>
+                      </a:solidFill>
+                      <a:prstDash val="solid"/>
+                      <a:round/>
+                      <a:headEnd type="none" w="med" len="med"/>
+                      <a:tailEnd type="none" w="med" len="med"/>
+                    </a:lnL>
+                    <a:lnR w="12700" cap="flat" cmpd="sng" algn="ctr">
+                      <a:solidFill>
+                        <a:schemeClr val="tx1"/>
+                      </a:solidFill>
+                      <a:prstDash val="solid"/>
+                      <a:round/>
+                      <a:headEnd type="none" w="med" len="med"/>
+                      <a:tailEnd type="none" w="med" len="med"/>
+                    </a:lnR>
+                    <a:lnT w="12700" cap="flat" cmpd="sng" algn="ctr">
+                      <a:solidFill>
+                        <a:schemeClr val="tx1"/>
+                      </a:solidFill>
+                      <a:prstDash val="solid"/>
+                      <a:round/>
+                      <a:headEnd type="none" w="med" len="med"/>
+                      <a:tailEnd type="none" w="med" len="med"/>
+                    </a:lnT>
+                    <a:lnB w="12700" cap="flat" cmpd="sng" algn="ctr">
+                      <a:solidFill>
+                        <a:schemeClr val="tx1"/>
+                      </a:solidFill>
+                      <a:prstDash val="solid"/>
+                      <a:round/>
+                      <a:headEnd type="none" w="med" len="med"/>
+                      <a:tailEnd type="none" w="med" len="med"/>
+                    </a:lnB>
+                    <a:lnTlToBr w="12700" cmpd="sng">
+                      <a:noFill/>
+                      <a:prstDash val="solid"/>
+                    </a:lnTlToBr>
+                    <a:lnBlToTr w="12700" cmpd="sng">
+                      <a:noFill/>
+                      <a:prstDash val="solid"/>
+                    </a:lnBlToTr>
+                  </a:tcPr>
+                </a:tc>
+                <a:tc>
+                  <a:txBody>
+                    <a:bodyPr/>
+                    <a:lstStyle/>
+                    <a:p>
+                      <a:pPr latinLnBrk="1"/>
+                      <a:endParaRPr lang="ko-KR" altLang="en-US"/>
+                    </a:p>
+                  </a:txBody>
+                  <a:tcPr>
+                    <a:lnL w="12700" cap="flat" cmpd="sng" algn="ctr">
+                      <a:solidFill>
+                        <a:schemeClr val="tx1"/>
+                      </a:solidFill>
+                      <a:prstDash val="solid"/>
+                      <a:round/>
+                      <a:headEnd type="none" w="med" len="med"/>
+                      <a:tailEnd type="none" w="med" len="med"/>
+                    </a:lnL>
+                    <a:lnR w="12700" cap="flat" cmpd="sng" algn="ctr">
+                      <a:solidFill>
+                        <a:schemeClr val="tx1"/>
+                      </a:solidFill>
+                      <a:prstDash val="solid"/>
+                      <a:round/>
+                      <a:headEnd type="none" w="med" len="med"/>
+                      <a:tailEnd type="none" w="med" len="med"/>
+                    </a:lnR>
+                    <a:lnT w="12700" cap="flat" cmpd="sng" algn="ctr">
+                      <a:solidFill>
+                        <a:schemeClr val="tx1"/>
+                      </a:solidFill>
+                      <a:prstDash val="solid"/>
+                      <a:round/>
+                      <a:headEnd type="none" w="med" len="med"/>
+                      <a:tailEnd type="none" w="med" len="med"/>
+                    </a:lnT>
+                    <a:lnB w="12700" cap="flat" cmpd="sng" algn="ctr">
+                      <a:solidFill>
+                        <a:schemeClr val="tx1"/>
+                      </a:solidFill>
+                      <a:prstDash val="solid"/>
+                      <a:round/>
+                      <a:headEnd type="none" w="med" len="med"/>
+                      <a:tailEnd type="none" w="med" len="med"/>
+                    </a:lnB>
+                    <a:lnTlToBr w="12700" cmpd="sng">
+                      <a:noFill/>
+                      <a:prstDash val="solid"/>
+                    </a:lnTlToBr>
+                    <a:lnBlToTr w="12700" cmpd="sng">
+                      <a:noFill/>
+                      <a:prstDash val="solid"/>
+                    </a:lnBlToTr>
+                  </a:tcPr>
+                </a:tc>
+                <a:extLst>
+                  <a:ext uri="{0D108BD9-81ED-4DB2-BD59-A6C34878D82A}">
+                    <a16:rowId xmlns:a16="http://schemas.microsoft.com/office/drawing/2014/main" val="963047530"/>
+                  </a:ext>
+                </a:extLst>
+              </a:tr>
+              <a:tr h="715063">
+                <a:tc>
+                  <a:txBody>
+                    <a:bodyPr/>
+                    <a:lstStyle/>
+                    <a:p>
+                      <a:pPr marL="0" marR="0" lvl="0" indent="0" algn="l" defTabSz="914400" rtl="0" eaLnBrk="1" fontAlgn="auto" latinLnBrk="1" hangingPunct="1">
+                        <a:lnSpc>
+                          <a:spcPct val="100000"/>
+                        </a:lnSpc>
+                        <a:spcBef>
+                          <a:spcPts val="0"/>
+                        </a:spcBef>
+                        <a:spcAft>
+                          <a:spcPts val="0"/>
+                        </a:spcAft>
+                        <a:buClr>
+                          <a:srgbClr val="000000"/>
+                        </a:buClr>
+                        <a:buSzTx/>
+                        <a:buFont typeface="Arial"/>
+                        <a:buNone/>
+                        <a:tabLst/>
+                        <a:defRPr/>
+                      </a:pPr>
+                      <a:r>
+                        <a:rPr lang="en-US" altLang="ko-KR" dirty="0"/>
+                        <a:t>Cluster6</a:t>
+                      </a:r>
+                      <a:endParaRPr lang="ko-KR" altLang="en-US" dirty="0"/>
+                    </a:p>
+                    <a:p>
+                      <a:pPr latinLnBrk="1"/>
+                      <a:endParaRPr lang="ko-KR" altLang="en-US" dirty="0"/>
+                    </a:p>
+                  </a:txBody>
+                  <a:tcPr>
+                    <a:lnL w="12700" cap="flat" cmpd="sng" algn="ctr">
+                      <a:solidFill>
+                        <a:schemeClr val="tx1"/>
+                      </a:solidFill>
+                      <a:prstDash val="solid"/>
+                      <a:round/>
+                      <a:headEnd type="none" w="med" len="med"/>
+                      <a:tailEnd type="none" w="med" len="med"/>
+                    </a:lnL>
+                    <a:lnR w="12700" cap="flat" cmpd="sng" algn="ctr">
+                      <a:solidFill>
+                        <a:schemeClr val="tx1"/>
+                      </a:solidFill>
+                      <a:prstDash val="solid"/>
+                      <a:round/>
+                      <a:headEnd type="none" w="med" len="med"/>
+                      <a:tailEnd type="none" w="med" len="med"/>
+                    </a:lnR>
+                    <a:lnT w="12700" cap="flat" cmpd="sng" algn="ctr">
+                      <a:solidFill>
+                        <a:schemeClr val="tx1"/>
+                      </a:solidFill>
+                      <a:prstDash val="solid"/>
+                      <a:round/>
+                      <a:headEnd type="none" w="med" len="med"/>
+                      <a:tailEnd type="none" w="med" len="med"/>
+                    </a:lnT>
+                    <a:lnB w="12700" cap="flat" cmpd="sng" algn="ctr">
+                      <a:solidFill>
+                        <a:schemeClr val="tx1"/>
+                      </a:solidFill>
+                      <a:prstDash val="solid"/>
+                      <a:round/>
+                      <a:headEnd type="none" w="med" len="med"/>
+                      <a:tailEnd type="none" w="med" len="med"/>
+                    </a:lnB>
+                    <a:lnTlToBr w="12700" cmpd="sng">
+                      <a:noFill/>
+                      <a:prstDash val="solid"/>
+                    </a:lnTlToBr>
+                    <a:lnBlToTr w="12700" cmpd="sng">
+                      <a:noFill/>
+                      <a:prstDash val="solid"/>
+                    </a:lnBlToTr>
+                  </a:tcPr>
+                </a:tc>
+                <a:tc>
+                  <a:txBody>
+                    <a:bodyPr/>
+                    <a:lstStyle/>
+                    <a:p>
+                      <a:pPr latinLnBrk="1"/>
+                      <a:endParaRPr lang="ko-KR" altLang="en-US"/>
+                    </a:p>
+                  </a:txBody>
+                  <a:tcPr>
+                    <a:lnL w="12700" cap="flat" cmpd="sng" algn="ctr">
+                      <a:solidFill>
+                        <a:schemeClr val="tx1"/>
+                      </a:solidFill>
+                      <a:prstDash val="solid"/>
+                      <a:round/>
+                      <a:headEnd type="none" w="med" len="med"/>
+                      <a:tailEnd type="none" w="med" len="med"/>
+                    </a:lnL>
+                    <a:lnR w="12700" cap="flat" cmpd="sng" algn="ctr">
+                      <a:solidFill>
+                        <a:schemeClr val="tx1"/>
+                      </a:solidFill>
+                      <a:prstDash val="solid"/>
+                      <a:round/>
+                      <a:headEnd type="none" w="med" len="med"/>
+                      <a:tailEnd type="none" w="med" len="med"/>
+                    </a:lnR>
+                    <a:lnT w="12700" cap="flat" cmpd="sng" algn="ctr">
+                      <a:solidFill>
+                        <a:schemeClr val="tx1"/>
+                      </a:solidFill>
+                      <a:prstDash val="solid"/>
+                      <a:round/>
+                      <a:headEnd type="none" w="med" len="med"/>
+                      <a:tailEnd type="none" w="med" len="med"/>
+                    </a:lnT>
+                    <a:lnB w="12700" cap="flat" cmpd="sng" algn="ctr">
+                      <a:solidFill>
+                        <a:schemeClr val="tx1"/>
+                      </a:solidFill>
+                      <a:prstDash val="solid"/>
+                      <a:round/>
+                      <a:headEnd type="none" w="med" len="med"/>
+                      <a:tailEnd type="none" w="med" len="med"/>
+                    </a:lnB>
+                    <a:lnTlToBr w="12700" cmpd="sng">
+                      <a:noFill/>
+                      <a:prstDash val="solid"/>
+                    </a:lnTlToBr>
+                    <a:lnBlToTr w="12700" cmpd="sng">
+                      <a:noFill/>
+                      <a:prstDash val="solid"/>
+                    </a:lnBlToTr>
+                  </a:tcPr>
+                </a:tc>
+                <a:tc>
+                  <a:txBody>
+                    <a:bodyPr/>
+                    <a:lstStyle/>
+                    <a:p>
+                      <a:pPr latinLnBrk="1"/>
+                      <a:endParaRPr lang="ko-KR" altLang="en-US"/>
+                    </a:p>
+                  </a:txBody>
+                  <a:tcPr>
+                    <a:lnL w="12700" cap="flat" cmpd="sng" algn="ctr">
+                      <a:solidFill>
+                        <a:schemeClr val="tx1"/>
+                      </a:solidFill>
+                      <a:prstDash val="solid"/>
+                      <a:round/>
+                      <a:headEnd type="none" w="med" len="med"/>
+                      <a:tailEnd type="none" w="med" len="med"/>
+                    </a:lnL>
+                    <a:lnR w="12700" cap="flat" cmpd="sng" algn="ctr">
+                      <a:solidFill>
+                        <a:schemeClr val="tx1"/>
+                      </a:solidFill>
+                      <a:prstDash val="solid"/>
+                      <a:round/>
+                      <a:headEnd type="none" w="med" len="med"/>
+                      <a:tailEnd type="none" w="med" len="med"/>
+                    </a:lnR>
+                    <a:lnT w="12700" cap="flat" cmpd="sng" algn="ctr">
+                      <a:solidFill>
+                        <a:schemeClr val="tx1"/>
+                      </a:solidFill>
+                      <a:prstDash val="solid"/>
+                      <a:round/>
+                      <a:headEnd type="none" w="med" len="med"/>
+                      <a:tailEnd type="none" w="med" len="med"/>
+                    </a:lnT>
+                    <a:lnB w="12700" cap="flat" cmpd="sng" algn="ctr">
+                      <a:solidFill>
+                        <a:schemeClr val="tx1"/>
+                      </a:solidFill>
+                      <a:prstDash val="solid"/>
+                      <a:round/>
+                      <a:headEnd type="none" w="med" len="med"/>
+                      <a:tailEnd type="none" w="med" len="med"/>
+                    </a:lnB>
+                    <a:lnTlToBr w="12700" cmpd="sng">
+                      <a:noFill/>
+                      <a:prstDash val="solid"/>
+                    </a:lnTlToBr>
+                    <a:lnBlToTr w="12700" cmpd="sng">
+                      <a:noFill/>
+                      <a:prstDash val="solid"/>
+                    </a:lnBlToTr>
+                  </a:tcPr>
+                </a:tc>
+                <a:tc>
+                  <a:txBody>
+                    <a:bodyPr/>
+                    <a:lstStyle/>
+                    <a:p>
+                      <a:pPr latinLnBrk="1"/>
+                      <a:endParaRPr lang="ko-KR" altLang="en-US" dirty="0"/>
+                    </a:p>
+                  </a:txBody>
+                  <a:tcPr>
+                    <a:lnL w="12700" cap="flat" cmpd="sng" algn="ctr">
+                      <a:solidFill>
+                        <a:schemeClr val="tx1"/>
+                      </a:solidFill>
+                      <a:prstDash val="solid"/>
+                      <a:round/>
+                      <a:headEnd type="none" w="med" len="med"/>
+                      <a:tailEnd type="none" w="med" len="med"/>
+                    </a:lnL>
+                    <a:lnR w="12700" cap="flat" cmpd="sng" algn="ctr">
+                      <a:solidFill>
+                        <a:schemeClr val="tx1"/>
+                      </a:solidFill>
+                      <a:prstDash val="solid"/>
+                      <a:round/>
+                      <a:headEnd type="none" w="med" len="med"/>
+                      <a:tailEnd type="none" w="med" len="med"/>
+                    </a:lnR>
+                    <a:lnT w="12700" cap="flat" cmpd="sng" algn="ctr">
+                      <a:solidFill>
+                        <a:schemeClr val="tx1"/>
+                      </a:solidFill>
+                      <a:prstDash val="solid"/>
+                      <a:round/>
+                      <a:headEnd type="none" w="med" len="med"/>
+                      <a:tailEnd type="none" w="med" len="med"/>
+                    </a:lnT>
+                    <a:lnB w="12700" cap="flat" cmpd="sng" algn="ctr">
+                      <a:solidFill>
+                        <a:schemeClr val="tx1"/>
+                      </a:solidFill>
+                      <a:prstDash val="solid"/>
+                      <a:round/>
+                      <a:headEnd type="none" w="med" len="med"/>
+                      <a:tailEnd type="none" w="med" len="med"/>
+                    </a:lnB>
+                    <a:lnTlToBr w="12700" cmpd="sng">
+                      <a:noFill/>
+                      <a:prstDash val="solid"/>
+                    </a:lnTlToBr>
+                    <a:lnBlToTr w="12700" cmpd="sng">
+                      <a:noFill/>
+                      <a:prstDash val="solid"/>
+                    </a:lnBlToTr>
+                  </a:tcPr>
+                </a:tc>
+                <a:extLst>
+                  <a:ext uri="{0D108BD9-81ED-4DB2-BD59-A6C34878D82A}">
+                    <a16:rowId xmlns:a16="http://schemas.microsoft.com/office/drawing/2014/main" val="2239589804"/>
+                  </a:ext>
+                </a:extLst>
+              </a:tr>
+            </a:tbl>
+          </a:graphicData>
+        </a:graphic>
+      </p:graphicFrame>
     </p:spTree>
     <p:extLst>
       <p:ext uri="{BB962C8B-B14F-4D97-AF65-F5344CB8AC3E}">
-        <p14:creationId xmlns:p14="http://schemas.microsoft.com/office/powerpoint/2010/main" val="452557449"/>
+        <p14:creationId xmlns:p14="http://schemas.microsoft.com/office/powerpoint/2010/main" val="503591806"/>
       </p:ext>
     </p:extLst>
   </p:cSld>
@@ -14096,6 +16431,17 @@
 </file>
 
 <file path=customXml/item2.xml><?xml version="1.0" encoding="utf-8"?>
+<p:properties xmlns:p="http://schemas.microsoft.com/office/2006/metadata/properties" xmlns:xsi="http://www.w3.org/2001/XMLSchema-instance" xmlns:pc="http://schemas.microsoft.com/office/infopath/2007/PartnerControls">
+  <documentManagement>
+    <TaxCatchAll xmlns="9114dcef-bd0d-459c-b9d7-fc63398cdbee" xsi:nil="true"/>
+    <lcf76f155ced4ddcb4097134ff3c332f xmlns="1857a468-9f2d-455b-8425-136ceb0ac253">
+      <Terms xmlns="http://schemas.microsoft.com/office/infopath/2007/PartnerControls"/>
+    </lcf76f155ced4ddcb4097134ff3c332f>
+  </documentManagement>
+</p:properties>
+</file>
+
+<file path=customXml/item3.xml><?xml version="1.0" encoding="utf-8"?>
 <ct:contentTypeSchema xmlns:ct="http://schemas.microsoft.com/office/2006/metadata/contentType" xmlns:ma="http://schemas.microsoft.com/office/2006/metadata/properties/metaAttributes" ct:_="" ma:_="" ma:contentTypeName="문서" ma:contentTypeID="0x010100661AA2C327A4324587CA5B8F932705FD" ma:contentTypeVersion="16" ma:contentTypeDescription="새 문서를 만듭니다." ma:contentTypeScope="" ma:versionID="e9974894dc087bc702e39d51fac416ef">
   <xsd:schema xmlns:xsd="http://www.w3.org/2001/XMLSchema" xmlns:xs="http://www.w3.org/2001/XMLSchema" xmlns:p="http://schemas.microsoft.com/office/2006/metadata/properties" xmlns:ns2="1857a468-9f2d-455b-8425-136ceb0ac253" xmlns:ns3="9114dcef-bd0d-459c-b9d7-fc63398cdbee" targetNamespace="http://schemas.microsoft.com/office/2006/metadata/properties" ma:root="true" ma:fieldsID="41cd493e84cfcb347ae251f59b06abf5" ns2:_="" ns3:_="">
     <xsd:import namespace="1857a468-9f2d-455b-8425-136ceb0ac253"/>
@@ -14336,17 +16682,6 @@
 </ct:contentTypeSchema>
 </file>
 
-<file path=customXml/item3.xml><?xml version="1.0" encoding="utf-8"?>
-<p:properties xmlns:p="http://schemas.microsoft.com/office/2006/metadata/properties" xmlns:xsi="http://www.w3.org/2001/XMLSchema-instance" xmlns:pc="http://schemas.microsoft.com/office/infopath/2007/PartnerControls">
-  <documentManagement>
-    <TaxCatchAll xmlns="9114dcef-bd0d-459c-b9d7-fc63398cdbee" xsi:nil="true"/>
-    <lcf76f155ced4ddcb4097134ff3c332f xmlns="1857a468-9f2d-455b-8425-136ceb0ac253">
-      <Terms xmlns="http://schemas.microsoft.com/office/infopath/2007/PartnerControls"/>
-    </lcf76f155ced4ddcb4097134ff3c332f>
-  </documentManagement>
-</p:properties>
-</file>
-
 <file path=customXml/itemProps1.xml><?xml version="1.0" encoding="utf-8"?>
 <ds:datastoreItem xmlns:ds="http://schemas.openxmlformats.org/officeDocument/2006/customXml" ds:itemID="{EB6E4AB4-6812-4825-A477-08F4E470421C}">
   <ds:schemaRefs>
@@ -14356,6 +16691,23 @@
 </file>
 
 <file path=customXml/itemProps2.xml><?xml version="1.0" encoding="utf-8"?>
+<ds:datastoreItem xmlns:ds="http://schemas.openxmlformats.org/officeDocument/2006/customXml" ds:itemID="{C474F5F0-E47C-4CD4-9BF1-D80ACD90DC05}">
+  <ds:schemaRefs>
+    <ds:schemaRef ds:uri="http://purl.org/dc/dcmitype/"/>
+    <ds:schemaRef ds:uri="http://schemas.microsoft.com/office/2006/documentManagement/types"/>
+    <ds:schemaRef ds:uri="9114dcef-bd0d-459c-b9d7-fc63398cdbee"/>
+    <ds:schemaRef ds:uri="http://www.w3.org/XML/1998/namespace"/>
+    <ds:schemaRef ds:uri="http://purl.org/dc/elements/1.1/"/>
+    <ds:schemaRef ds:uri="http://purl.org/dc/terms/"/>
+    <ds:schemaRef ds:uri="http://schemas.microsoft.com/office/2006/metadata/properties"/>
+    <ds:schemaRef ds:uri="http://schemas.microsoft.com/office/infopath/2007/PartnerControls"/>
+    <ds:schemaRef ds:uri="http://schemas.openxmlformats.org/package/2006/metadata/core-properties"/>
+    <ds:schemaRef ds:uri="1857a468-9f2d-455b-8425-136ceb0ac253"/>
+  </ds:schemaRefs>
+</ds:datastoreItem>
+</file>
+
+<file path=customXml/itemProps3.xml><?xml version="1.0" encoding="utf-8"?>
 <ds:datastoreItem xmlns:ds="http://schemas.openxmlformats.org/officeDocument/2006/customXml" ds:itemID="{E29138D2-7D62-4711-8DD2-E2A210C093A0}">
   <ds:schemaRefs>
     <ds:schemaRef ds:uri="http://schemas.microsoft.com/office/2006/metadata/contentType"/>
@@ -14372,21 +16724,4 @@
     <ds:schemaRef ds:uri="http://schemas.microsoft.com/internal/obd"/>
   </ds:schemaRefs>
 </ds:datastoreItem>
-</file>
-
-<file path=customXml/itemProps3.xml><?xml version="1.0" encoding="utf-8"?>
-<ds:datastoreItem xmlns:ds="http://schemas.openxmlformats.org/officeDocument/2006/customXml" ds:itemID="{C474F5F0-E47C-4CD4-9BF1-D80ACD90DC05}">
-  <ds:schemaRefs>
-    <ds:schemaRef ds:uri="http://purl.org/dc/dcmitype/"/>
-    <ds:schemaRef ds:uri="http://schemas.microsoft.com/office/2006/documentManagement/types"/>
-    <ds:schemaRef ds:uri="9114dcef-bd0d-459c-b9d7-fc63398cdbee"/>
-    <ds:schemaRef ds:uri="http://www.w3.org/XML/1998/namespace"/>
-    <ds:schemaRef ds:uri="http://purl.org/dc/elements/1.1/"/>
-    <ds:schemaRef ds:uri="http://purl.org/dc/terms/"/>
-    <ds:schemaRef ds:uri="http://schemas.microsoft.com/office/2006/metadata/properties"/>
-    <ds:schemaRef ds:uri="http://schemas.microsoft.com/office/infopath/2007/PartnerControls"/>
-    <ds:schemaRef ds:uri="http://schemas.openxmlformats.org/package/2006/metadata/core-properties"/>
-    <ds:schemaRef ds:uri="1857a468-9f2d-455b-8425-136ceb0ac253"/>
-  </ds:schemaRefs>
-</ds:datastoreItem>
 </file>